--- a/handson-workshop.pptx
+++ b/handson-workshop.pptx
@@ -35,6 +35,9 @@
     <p:sldId id="283" r:id="rId29"/>
     <p:sldId id="284" r:id="rId30"/>
     <p:sldId id="285" r:id="rId31"/>
+    <p:sldId id="286" r:id="rId32"/>
+    <p:sldId id="287" r:id="rId33"/>
+    <p:sldId id="288" r:id="rId34"/>
   </p:sldIdLst>
   <p:sldSz cx="12192000" cy="6858000"/>
   <p:notesSz cx="6858000" cy="9144000"/>
@@ -12378,7 +12381,7 @@
           <p:cNvPr id="2" name="Title 1">
             <a:extLst>
               <a:ext uri="{FF2B5EF4-FFF2-40B4-BE49-F238E27FC236}">
-                <a16:creationId xmlns:a16="http://schemas.microsoft.com/office/drawing/2014/main" xmlns="" id="{EA239203-5008-41B5-A171-9462CB80172F}"/>
+                <a16:creationId xmlns="" xmlns:a16="http://schemas.microsoft.com/office/drawing/2014/main" id="{EA239203-5008-41B5-A171-9462CB80172F}"/>
               </a:ext>
             </a:extLst>
           </p:cNvPr>
@@ -12411,7 +12414,7 @@
           <p:cNvPr id="3" name="Subtitle 2">
             <a:extLst>
               <a:ext uri="{FF2B5EF4-FFF2-40B4-BE49-F238E27FC236}">
-                <a16:creationId xmlns:a16="http://schemas.microsoft.com/office/drawing/2014/main" xmlns="" id="{564710AD-D578-48B1-8D90-D2999FEA7EA7}"/>
+                <a16:creationId xmlns="" xmlns:a16="http://schemas.microsoft.com/office/drawing/2014/main" id="{564710AD-D578-48B1-8D90-D2999FEA7EA7}"/>
               </a:ext>
             </a:extLst>
           </p:cNvPr>
@@ -12443,7 +12446,7 @@
     </p:spTree>
     <p:extLst>
       <p:ext uri="{BB962C8B-B14F-4D97-AF65-F5344CB8AC3E}">
-        <p14:creationId xmlns:p14="http://schemas.microsoft.com/office/powerpoint/2010/main" val="1965641818"/>
+        <p14:creationId xmlns:p14="http://schemas.microsoft.com/office/powerpoint/2010/main" val="401248579"/>
       </p:ext>
     </p:extLst>
   </p:cSld>
@@ -12482,7 +12485,7 @@
           <p:cNvPr id="2" name="Title 1">
             <a:extLst>
               <a:ext uri="{FF2B5EF4-FFF2-40B4-BE49-F238E27FC236}">
-                <a16:creationId xmlns:a16="http://schemas.microsoft.com/office/drawing/2014/main" xmlns="" id="{CF7DB015-F776-4E54-9BB9-1C76662A942F}"/>
+                <a16:creationId xmlns="" xmlns:a16="http://schemas.microsoft.com/office/drawing/2014/main" id="{CF7DB015-F776-4E54-9BB9-1C76662A942F}"/>
               </a:ext>
             </a:extLst>
           </p:cNvPr>
@@ -12510,7 +12513,7 @@
           <p:cNvPr id="3" name="Content Placeholder 2">
             <a:extLst>
               <a:ext uri="{FF2B5EF4-FFF2-40B4-BE49-F238E27FC236}">
-                <a16:creationId xmlns:a16="http://schemas.microsoft.com/office/drawing/2014/main" xmlns="" id="{D4291067-CB2A-48EA-8BC4-131F68836E0D}"/>
+                <a16:creationId xmlns="" xmlns:a16="http://schemas.microsoft.com/office/drawing/2014/main" id="{D4291067-CB2A-48EA-8BC4-131F68836E0D}"/>
               </a:ext>
             </a:extLst>
           </p:cNvPr>
@@ -12726,7 +12729,7 @@
     </p:spTree>
     <p:extLst>
       <p:ext uri="{BB962C8B-B14F-4D97-AF65-F5344CB8AC3E}">
-        <p14:creationId xmlns:p14="http://schemas.microsoft.com/office/powerpoint/2010/main" val="3092990311"/>
+        <p14:creationId xmlns:p14="http://schemas.microsoft.com/office/powerpoint/2010/main" val="1089937025"/>
       </p:ext>
     </p:extLst>
   </p:cSld>
@@ -12758,7 +12761,7 @@
           <p:cNvPr id="2" name="Title 1">
             <a:extLst>
               <a:ext uri="{FF2B5EF4-FFF2-40B4-BE49-F238E27FC236}">
-                <a16:creationId xmlns:a16="http://schemas.microsoft.com/office/drawing/2014/main" xmlns="" id="{BBE1EBA3-28A9-47D5-89C8-B194A471ACE0}"/>
+                <a16:creationId xmlns="" xmlns:a16="http://schemas.microsoft.com/office/drawing/2014/main" id="{BBE1EBA3-28A9-47D5-89C8-B194A471ACE0}"/>
               </a:ext>
             </a:extLst>
           </p:cNvPr>
@@ -12786,7 +12789,7 @@
           <p:cNvPr id="4" name="Content Placeholder 2">
             <a:extLst>
               <a:ext uri="{FF2B5EF4-FFF2-40B4-BE49-F238E27FC236}">
-                <a16:creationId xmlns:a16="http://schemas.microsoft.com/office/drawing/2014/main" xmlns="" id="{2DED63DB-0811-48A6-BF0E-047B60E41D1B}"/>
+                <a16:creationId xmlns="" xmlns:a16="http://schemas.microsoft.com/office/drawing/2014/main" id="{2DED63DB-0811-48A6-BF0E-047B60E41D1B}"/>
               </a:ext>
             </a:extLst>
           </p:cNvPr>
@@ -13075,7 +13078,7 @@
           <p:cNvPr id="9" name="TextBox 8">
             <a:extLst>
               <a:ext uri="{FF2B5EF4-FFF2-40B4-BE49-F238E27FC236}">
-                <a16:creationId xmlns:a16="http://schemas.microsoft.com/office/drawing/2014/main" xmlns="" id="{1759AA46-DA27-4B8B-9657-0EC4D7424E4D}"/>
+                <a16:creationId xmlns="" xmlns:a16="http://schemas.microsoft.com/office/drawing/2014/main" id="{1759AA46-DA27-4B8B-9657-0EC4D7424E4D}"/>
               </a:ext>
             </a:extLst>
           </p:cNvPr>
@@ -13114,7 +13117,7 @@
           <p:cNvPr id="10" name="Arrow: Right 9">
             <a:extLst>
               <a:ext uri="{FF2B5EF4-FFF2-40B4-BE49-F238E27FC236}">
-                <a16:creationId xmlns:a16="http://schemas.microsoft.com/office/drawing/2014/main" xmlns="" id="{B9FA118D-D2BD-456A-BAC1-A8EEDD07B497}"/>
+                <a16:creationId xmlns="" xmlns:a16="http://schemas.microsoft.com/office/drawing/2014/main" id="{B9FA118D-D2BD-456A-BAC1-A8EEDD07B497}"/>
               </a:ext>
             </a:extLst>
           </p:cNvPr>
@@ -13158,7 +13161,7 @@
     </p:spTree>
     <p:extLst>
       <p:ext uri="{BB962C8B-B14F-4D97-AF65-F5344CB8AC3E}">
-        <p14:creationId xmlns:p14="http://schemas.microsoft.com/office/powerpoint/2010/main" val="2078590315"/>
+        <p14:creationId xmlns:p14="http://schemas.microsoft.com/office/powerpoint/2010/main" val="2139302324"/>
       </p:ext>
     </p:extLst>
   </p:cSld>
@@ -13388,7 +13391,7 @@
           <p:cNvPr id="2" name="Title 1">
             <a:extLst>
               <a:ext uri="{FF2B5EF4-FFF2-40B4-BE49-F238E27FC236}">
-                <a16:creationId xmlns:a16="http://schemas.microsoft.com/office/drawing/2014/main" xmlns="" id="{A65C33F5-82CF-4A28-9FD3-8DD07E7660C9}"/>
+                <a16:creationId xmlns="" xmlns:a16="http://schemas.microsoft.com/office/drawing/2014/main" id="{A65C33F5-82CF-4A28-9FD3-8DD07E7660C9}"/>
               </a:ext>
             </a:extLst>
           </p:cNvPr>
@@ -13416,7 +13419,7 @@
           <p:cNvPr id="3" name="Content Placeholder 2">
             <a:extLst>
               <a:ext uri="{FF2B5EF4-FFF2-40B4-BE49-F238E27FC236}">
-                <a16:creationId xmlns:a16="http://schemas.microsoft.com/office/drawing/2014/main" xmlns="" id="{C8D4E04D-AD1F-48E9-9541-8740F73122C0}"/>
+                <a16:creationId xmlns="" xmlns:a16="http://schemas.microsoft.com/office/drawing/2014/main" id="{C8D4E04D-AD1F-48E9-9541-8740F73122C0}"/>
               </a:ext>
             </a:extLst>
           </p:cNvPr>
@@ -13457,7 +13460,7 @@
           <p:cNvPr id="5" name="Content Placeholder 2">
             <a:extLst>
               <a:ext uri="{FF2B5EF4-FFF2-40B4-BE49-F238E27FC236}">
-                <a16:creationId xmlns:a16="http://schemas.microsoft.com/office/drawing/2014/main" xmlns="" id="{1DC0463B-0CE4-4E71-8287-A8F3F6709309}"/>
+                <a16:creationId xmlns="" xmlns:a16="http://schemas.microsoft.com/office/drawing/2014/main" id="{1DC0463B-0CE4-4E71-8287-A8F3F6709309}"/>
               </a:ext>
             </a:extLst>
           </p:cNvPr>
@@ -13695,7 +13698,7 @@
     </p:spTree>
     <p:extLst>
       <p:ext uri="{BB962C8B-B14F-4D97-AF65-F5344CB8AC3E}">
-        <p14:creationId xmlns:p14="http://schemas.microsoft.com/office/powerpoint/2010/main" val="3336105391"/>
+        <p14:creationId xmlns:p14="http://schemas.microsoft.com/office/powerpoint/2010/main" val="2180371206"/>
       </p:ext>
     </p:extLst>
   </p:cSld>
@@ -13727,7 +13730,7 @@
           <p:cNvPr id="2" name="Title 1">
             <a:extLst>
               <a:ext uri="{FF2B5EF4-FFF2-40B4-BE49-F238E27FC236}">
-                <a16:creationId xmlns:a16="http://schemas.microsoft.com/office/drawing/2014/main" xmlns="" id="{A65C33F5-82CF-4A28-9FD3-8DD07E7660C9}"/>
+                <a16:creationId xmlns="" xmlns:a16="http://schemas.microsoft.com/office/drawing/2014/main" id="{A65C33F5-82CF-4A28-9FD3-8DD07E7660C9}"/>
               </a:ext>
             </a:extLst>
           </p:cNvPr>
@@ -13755,7 +13758,7 @@
           <p:cNvPr id="3" name="Content Placeholder 2">
             <a:extLst>
               <a:ext uri="{FF2B5EF4-FFF2-40B4-BE49-F238E27FC236}">
-                <a16:creationId xmlns:a16="http://schemas.microsoft.com/office/drawing/2014/main" xmlns="" id="{C8D4E04D-AD1F-48E9-9541-8740F73122C0}"/>
+                <a16:creationId xmlns="" xmlns:a16="http://schemas.microsoft.com/office/drawing/2014/main" id="{C8D4E04D-AD1F-48E9-9541-8740F73122C0}"/>
               </a:ext>
             </a:extLst>
           </p:cNvPr>
@@ -13796,7 +13799,7 @@
           <p:cNvPr id="4" name="Rectangle 1">
             <a:extLst>
               <a:ext uri="{FF2B5EF4-FFF2-40B4-BE49-F238E27FC236}">
-                <a16:creationId xmlns:a16="http://schemas.microsoft.com/office/drawing/2014/main" xmlns="" id="{8FAEF4B5-59CA-4791-A2FB-C38974CF2E17}"/>
+                <a16:creationId xmlns="" xmlns:a16="http://schemas.microsoft.com/office/drawing/2014/main" id="{8FAEF4B5-59CA-4791-A2FB-C38974CF2E17}"/>
               </a:ext>
             </a:extLst>
           </p:cNvPr>
@@ -14545,7 +14548,7 @@
           <p:cNvPr id="7" name="TextBox 6">
             <a:extLst>
               <a:ext uri="{FF2B5EF4-FFF2-40B4-BE49-F238E27FC236}">
-                <a16:creationId xmlns:a16="http://schemas.microsoft.com/office/drawing/2014/main" xmlns="" id="{345033CA-D636-40C4-A622-0570E93C489D}"/>
+                <a16:creationId xmlns="" xmlns:a16="http://schemas.microsoft.com/office/drawing/2014/main" id="{345033CA-D636-40C4-A622-0570E93C489D}"/>
               </a:ext>
             </a:extLst>
           </p:cNvPr>
@@ -14580,7 +14583,7 @@
           <p:cNvPr id="10" name="Rectangle 4">
             <a:extLst>
               <a:ext uri="{FF2B5EF4-FFF2-40B4-BE49-F238E27FC236}">
-                <a16:creationId xmlns:a16="http://schemas.microsoft.com/office/drawing/2014/main" xmlns="" id="{8B4CBB41-142F-4F7B-BE04-165596EAF99A}"/>
+                <a16:creationId xmlns="" xmlns:a16="http://schemas.microsoft.com/office/drawing/2014/main" id="{8B4CBB41-142F-4F7B-BE04-165596EAF99A}"/>
               </a:ext>
             </a:extLst>
           </p:cNvPr>
@@ -17412,7 +17415,7 @@
           <p:cNvPr id="11" name="TextBox 10">
             <a:extLst>
               <a:ext uri="{FF2B5EF4-FFF2-40B4-BE49-F238E27FC236}">
-                <a16:creationId xmlns:a16="http://schemas.microsoft.com/office/drawing/2014/main" xmlns="" id="{9B79EC18-E264-4269-85B0-052E51A6F1AF}"/>
+                <a16:creationId xmlns="" xmlns:a16="http://schemas.microsoft.com/office/drawing/2014/main" id="{9B79EC18-E264-4269-85B0-052E51A6F1AF}"/>
               </a:ext>
             </a:extLst>
           </p:cNvPr>
@@ -17450,7 +17453,7 @@
     </p:spTree>
     <p:extLst>
       <p:ext uri="{BB962C8B-B14F-4D97-AF65-F5344CB8AC3E}">
-        <p14:creationId xmlns:p14="http://schemas.microsoft.com/office/powerpoint/2010/main" val="3072739418"/>
+        <p14:creationId xmlns:p14="http://schemas.microsoft.com/office/powerpoint/2010/main" val="2257842635"/>
       </p:ext>
     </p:extLst>
   </p:cSld>
@@ -17489,7 +17492,7 @@
           <p:cNvPr id="2" name="Title 1">
             <a:extLst>
               <a:ext uri="{FF2B5EF4-FFF2-40B4-BE49-F238E27FC236}">
-                <a16:creationId xmlns:a16="http://schemas.microsoft.com/office/drawing/2014/main" xmlns="" id="{E1230438-6C90-49E8-B9BB-19496F12FE23}"/>
+                <a16:creationId xmlns="" xmlns:a16="http://schemas.microsoft.com/office/drawing/2014/main" id="{E1230438-6C90-49E8-B9BB-19496F12FE23}"/>
               </a:ext>
             </a:extLst>
           </p:cNvPr>
@@ -17517,7 +17520,7 @@
           <p:cNvPr id="3" name="Content Placeholder 2">
             <a:extLst>
               <a:ext uri="{FF2B5EF4-FFF2-40B4-BE49-F238E27FC236}">
-                <a16:creationId xmlns:a16="http://schemas.microsoft.com/office/drawing/2014/main" xmlns="" id="{9717115A-BE5C-460D-A2DE-4C3816987F27}"/>
+                <a16:creationId xmlns="" xmlns:a16="http://schemas.microsoft.com/office/drawing/2014/main" id="{9717115A-BE5C-460D-A2DE-4C3816987F27}"/>
               </a:ext>
             </a:extLst>
           </p:cNvPr>
@@ -17600,7 +17603,7 @@
           <p:cNvPr id="6" name="TextBox 5">
             <a:extLst>
               <a:ext uri="{FF2B5EF4-FFF2-40B4-BE49-F238E27FC236}">
-                <a16:creationId xmlns:a16="http://schemas.microsoft.com/office/drawing/2014/main" xmlns="" id="{A7150BFB-457B-4B00-BF17-E94E7039FA4B}"/>
+                <a16:creationId xmlns="" xmlns:a16="http://schemas.microsoft.com/office/drawing/2014/main" id="{A7150BFB-457B-4B00-BF17-E94E7039FA4B}"/>
               </a:ext>
             </a:extLst>
           </p:cNvPr>
@@ -17644,7 +17647,7 @@
           <p:cNvPr id="7" name="Rectangle 1">
             <a:extLst>
               <a:ext uri="{FF2B5EF4-FFF2-40B4-BE49-F238E27FC236}">
-                <a16:creationId xmlns:a16="http://schemas.microsoft.com/office/drawing/2014/main" xmlns="" id="{B5D00E7E-B35C-4362-9D92-43FBD26E9C82}"/>
+                <a16:creationId xmlns="" xmlns:a16="http://schemas.microsoft.com/office/drawing/2014/main" id="{B5D00E7E-B35C-4362-9D92-43FBD26E9C82}"/>
               </a:ext>
             </a:extLst>
           </p:cNvPr>
@@ -20584,7 +20587,7 @@
     </p:spTree>
     <p:extLst>
       <p:ext uri="{BB962C8B-B14F-4D97-AF65-F5344CB8AC3E}">
-        <p14:creationId xmlns:p14="http://schemas.microsoft.com/office/powerpoint/2010/main" val="3069321142"/>
+        <p14:creationId xmlns:p14="http://schemas.microsoft.com/office/powerpoint/2010/main" val="2643017194"/>
       </p:ext>
     </p:extLst>
   </p:cSld>
@@ -20623,7 +20626,7 @@
           <p:cNvPr id="4" name="Title 3">
             <a:extLst>
               <a:ext uri="{FF2B5EF4-FFF2-40B4-BE49-F238E27FC236}">
-                <a16:creationId xmlns:a16="http://schemas.microsoft.com/office/drawing/2014/main" xmlns="" id="{097FD97C-0246-45D4-AA4B-AEF185A070D3}"/>
+                <a16:creationId xmlns="" xmlns:a16="http://schemas.microsoft.com/office/drawing/2014/main" id="{097FD97C-0246-45D4-AA4B-AEF185A070D3}"/>
               </a:ext>
             </a:extLst>
           </p:cNvPr>
@@ -20651,7 +20654,7 @@
           <p:cNvPr id="5" name="Subtitle 4">
             <a:extLst>
               <a:ext uri="{FF2B5EF4-FFF2-40B4-BE49-F238E27FC236}">
-                <a16:creationId xmlns:a16="http://schemas.microsoft.com/office/drawing/2014/main" xmlns="" id="{DED13EAE-D74B-404A-90E4-AD3B0226CEDC}"/>
+                <a16:creationId xmlns="" xmlns:a16="http://schemas.microsoft.com/office/drawing/2014/main" id="{DED13EAE-D74B-404A-90E4-AD3B0226CEDC}"/>
               </a:ext>
             </a:extLst>
           </p:cNvPr>
@@ -20689,7 +20692,7 @@
     </p:spTree>
     <p:extLst>
       <p:ext uri="{BB962C8B-B14F-4D97-AF65-F5344CB8AC3E}">
-        <p14:creationId xmlns:p14="http://schemas.microsoft.com/office/powerpoint/2010/main" val="3038140492"/>
+        <p14:creationId xmlns:p14="http://schemas.microsoft.com/office/powerpoint/2010/main" val="4145351546"/>
       </p:ext>
     </p:extLst>
   </p:cSld>
@@ -20728,7 +20731,7 @@
           <p:cNvPr id="2" name="Title 1">
             <a:extLst>
               <a:ext uri="{FF2B5EF4-FFF2-40B4-BE49-F238E27FC236}">
-                <a16:creationId xmlns:a16="http://schemas.microsoft.com/office/drawing/2014/main" xmlns="" id="{9ECEA035-5A45-4258-99CD-2EDD4F10C796}"/>
+                <a16:creationId xmlns="" xmlns:a16="http://schemas.microsoft.com/office/drawing/2014/main" id="{9ECEA035-5A45-4258-99CD-2EDD4F10C796}"/>
               </a:ext>
             </a:extLst>
           </p:cNvPr>
@@ -20761,7 +20764,7 @@
           <p:cNvPr id="3" name="Content Placeholder 2">
             <a:extLst>
               <a:ext uri="{FF2B5EF4-FFF2-40B4-BE49-F238E27FC236}">
-                <a16:creationId xmlns:a16="http://schemas.microsoft.com/office/drawing/2014/main" xmlns="" id="{0A3E6A53-6626-4C24-B35B-41846E1925BB}"/>
+                <a16:creationId xmlns="" xmlns:a16="http://schemas.microsoft.com/office/drawing/2014/main" id="{0A3E6A53-6626-4C24-B35B-41846E1925BB}"/>
               </a:ext>
             </a:extLst>
           </p:cNvPr>
@@ -20928,7 +20931,7 @@
     </p:spTree>
     <p:extLst>
       <p:ext uri="{BB962C8B-B14F-4D97-AF65-F5344CB8AC3E}">
-        <p14:creationId xmlns:p14="http://schemas.microsoft.com/office/powerpoint/2010/main" val="2086175259"/>
+        <p14:creationId xmlns:p14="http://schemas.microsoft.com/office/powerpoint/2010/main" val="624732559"/>
       </p:ext>
     </p:extLst>
   </p:cSld>
@@ -21174,7 +21177,7 @@
           <p:cNvPr id="2" name="Title 1">
             <a:extLst>
               <a:ext uri="{FF2B5EF4-FFF2-40B4-BE49-F238E27FC236}">
-                <a16:creationId xmlns:a16="http://schemas.microsoft.com/office/drawing/2014/main" xmlns="" id="{5BD927F5-A655-451F-AC56-57F0E303D971}"/>
+                <a16:creationId xmlns="" xmlns:a16="http://schemas.microsoft.com/office/drawing/2014/main" id="{5BD927F5-A655-451F-AC56-57F0E303D971}"/>
               </a:ext>
             </a:extLst>
           </p:cNvPr>
@@ -21203,7 +21206,7 @@
           <p:cNvPr id="3" name="Content Placeholder 2">
             <a:extLst>
               <a:ext uri="{FF2B5EF4-FFF2-40B4-BE49-F238E27FC236}">
-                <a16:creationId xmlns:a16="http://schemas.microsoft.com/office/drawing/2014/main" xmlns="" id="{2E4609EC-776C-4D13-8670-0B8AB79A6AF0}"/>
+                <a16:creationId xmlns="" xmlns:a16="http://schemas.microsoft.com/office/drawing/2014/main" id="{2E4609EC-776C-4D13-8670-0B8AB79A6AF0}"/>
               </a:ext>
             </a:extLst>
           </p:cNvPr>
@@ -21291,7 +21294,7 @@
     </p:spTree>
     <p:extLst>
       <p:ext uri="{BB962C8B-B14F-4D97-AF65-F5344CB8AC3E}">
-        <p14:creationId xmlns:p14="http://schemas.microsoft.com/office/powerpoint/2010/main" val="1091215948"/>
+        <p14:creationId xmlns:p14="http://schemas.microsoft.com/office/powerpoint/2010/main" val="1390936401"/>
       </p:ext>
     </p:extLst>
   </p:cSld>
@@ -21330,7 +21333,7 @@
           <p:cNvPr id="2" name="Title 1">
             <a:extLst>
               <a:ext uri="{FF2B5EF4-FFF2-40B4-BE49-F238E27FC236}">
-                <a16:creationId xmlns:a16="http://schemas.microsoft.com/office/drawing/2014/main" xmlns="" id="{5BD927F5-A655-451F-AC56-57F0E303D971}"/>
+                <a16:creationId xmlns="" xmlns:a16="http://schemas.microsoft.com/office/drawing/2014/main" id="{5BD927F5-A655-451F-AC56-57F0E303D971}"/>
               </a:ext>
             </a:extLst>
           </p:cNvPr>
@@ -21359,7 +21362,7 @@
           <p:cNvPr id="6" name="TextBox 5">
             <a:extLst>
               <a:ext uri="{FF2B5EF4-FFF2-40B4-BE49-F238E27FC236}">
-                <a16:creationId xmlns:a16="http://schemas.microsoft.com/office/drawing/2014/main" xmlns="" id="{9B79EC18-E264-4269-85B0-052E51A6F1AF}"/>
+                <a16:creationId xmlns="" xmlns:a16="http://schemas.microsoft.com/office/drawing/2014/main" id="{9B79EC18-E264-4269-85B0-052E51A6F1AF}"/>
               </a:ext>
             </a:extLst>
           </p:cNvPr>
@@ -24156,7 +24159,7 @@
           <p:cNvPr id="9" name="TextBox 8">
             <a:extLst>
               <a:ext uri="{FF2B5EF4-FFF2-40B4-BE49-F238E27FC236}">
-                <a16:creationId xmlns:a16="http://schemas.microsoft.com/office/drawing/2014/main" xmlns="" id="{9B79EC18-E264-4269-85B0-052E51A6F1AF}"/>
+                <a16:creationId xmlns="" xmlns:a16="http://schemas.microsoft.com/office/drawing/2014/main" id="{9B79EC18-E264-4269-85B0-052E51A6F1AF}"/>
               </a:ext>
             </a:extLst>
           </p:cNvPr>
@@ -24512,7 +24515,7 @@
     </p:spTree>
     <p:extLst>
       <p:ext uri="{BB962C8B-B14F-4D97-AF65-F5344CB8AC3E}">
-        <p14:creationId xmlns:p14="http://schemas.microsoft.com/office/powerpoint/2010/main" val="2779220732"/>
+        <p14:creationId xmlns:p14="http://schemas.microsoft.com/office/powerpoint/2010/main" val="3244304648"/>
       </p:ext>
     </p:extLst>
   </p:cSld>
@@ -25333,7 +25336,7 @@
     </p:spTree>
     <p:extLst>
       <p:ext uri="{BB962C8B-B14F-4D97-AF65-F5344CB8AC3E}">
-        <p14:creationId xmlns:p14="http://schemas.microsoft.com/office/powerpoint/2010/main" val="3323811966"/>
+        <p14:creationId xmlns:p14="http://schemas.microsoft.com/office/powerpoint/2010/main" val="1345950015"/>
       </p:ext>
     </p:extLst>
   </p:cSld>
@@ -25372,7 +25375,7 @@
           <p:cNvPr id="2" name="Title 1">
             <a:extLst>
               <a:ext uri="{FF2B5EF4-FFF2-40B4-BE49-F238E27FC236}">
-                <a16:creationId xmlns:a16="http://schemas.microsoft.com/office/drawing/2014/main" xmlns="" id="{9ECEA035-5A45-4258-99CD-2EDD4F10C796}"/>
+                <a16:creationId xmlns="" xmlns:a16="http://schemas.microsoft.com/office/drawing/2014/main" id="{9ECEA035-5A45-4258-99CD-2EDD4F10C796}"/>
               </a:ext>
             </a:extLst>
           </p:cNvPr>
@@ -25400,7 +25403,7 @@
           <p:cNvPr id="3" name="Content Placeholder 2">
             <a:extLst>
               <a:ext uri="{FF2B5EF4-FFF2-40B4-BE49-F238E27FC236}">
-                <a16:creationId xmlns:a16="http://schemas.microsoft.com/office/drawing/2014/main" xmlns="" id="{0A3E6A53-6626-4C24-B35B-41846E1925BB}"/>
+                <a16:creationId xmlns="" xmlns:a16="http://schemas.microsoft.com/office/drawing/2014/main" id="{0A3E6A53-6626-4C24-B35B-41846E1925BB}"/>
               </a:ext>
             </a:extLst>
           </p:cNvPr>
@@ -25490,7 +25493,7 @@
           <p:cNvPr id="4" name="TextBox 3">
             <a:extLst>
               <a:ext uri="{FF2B5EF4-FFF2-40B4-BE49-F238E27FC236}">
-                <a16:creationId xmlns:a16="http://schemas.microsoft.com/office/drawing/2014/main" xmlns="" id="{A0AC4613-6E65-4DD1-A3A9-5142AACF77A4}"/>
+                <a16:creationId xmlns="" xmlns:a16="http://schemas.microsoft.com/office/drawing/2014/main" id="{A0AC4613-6E65-4DD1-A3A9-5142AACF77A4}"/>
               </a:ext>
             </a:extLst>
           </p:cNvPr>
@@ -25579,8 +25582,8 @@
         </p:nvSpPr>
         <p:spPr>
           <a:xfrm>
-            <a:off x="7674123" y="2213361"/>
-            <a:ext cx="3384135" cy="923330"/>
+            <a:off x="6255522" y="1375873"/>
+            <a:ext cx="5520583" cy="646331"/>
           </a:xfrm>
           <a:prstGeom prst="rect">
             <a:avLst/>
@@ -25600,17 +25603,21 @@
           </a:p>
           <a:p>
             <a:r>
-              <a:rPr lang="de-CH" dirty="0" smtClean="0"/>
-              <a:t>npm install --global </a:t>
-            </a:r>
-            <a:endParaRPr lang="fr-CH" dirty="0"/>
+              <a:rPr lang="en-US" b="1" dirty="0" err="1"/>
+              <a:t>npm</a:t>
+            </a:r>
+            <a:r>
+              <a:rPr lang="en-US" b="1" dirty="0"/>
+              <a:t> install --global --production windows-build-tools</a:t>
+            </a:r>
+            <a:endParaRPr lang="fr-CH" b="1" dirty="0"/>
           </a:p>
         </p:txBody>
       </p:sp>
     </p:spTree>
     <p:extLst>
       <p:ext uri="{BB962C8B-B14F-4D97-AF65-F5344CB8AC3E}">
-        <p14:creationId xmlns:p14="http://schemas.microsoft.com/office/powerpoint/2010/main" val="3130430771"/>
+        <p14:creationId xmlns:p14="http://schemas.microsoft.com/office/powerpoint/2010/main" val="1124354488"/>
       </p:ext>
     </p:extLst>
   </p:cSld>
@@ -25774,7 +25781,7 @@
     </p:spTree>
     <p:extLst>
       <p:ext uri="{BB962C8B-B14F-4D97-AF65-F5344CB8AC3E}">
-        <p14:creationId xmlns:p14="http://schemas.microsoft.com/office/powerpoint/2010/main" val="3329959974"/>
+        <p14:creationId xmlns:p14="http://schemas.microsoft.com/office/powerpoint/2010/main" val="3203778833"/>
       </p:ext>
     </p:extLst>
   </p:cSld>
@@ -26160,7 +26167,7 @@
     </p:spTree>
     <p:extLst>
       <p:ext uri="{BB962C8B-B14F-4D97-AF65-F5344CB8AC3E}">
-        <p14:creationId xmlns:p14="http://schemas.microsoft.com/office/powerpoint/2010/main" val="1823410619"/>
+        <p14:creationId xmlns:p14="http://schemas.microsoft.com/office/powerpoint/2010/main" val="546327734"/>
       </p:ext>
     </p:extLst>
   </p:cSld>
@@ -28842,7 +28849,7 @@
     </p:spTree>
     <p:extLst>
       <p:ext uri="{BB962C8B-B14F-4D97-AF65-F5344CB8AC3E}">
-        <p14:creationId xmlns:p14="http://schemas.microsoft.com/office/powerpoint/2010/main" val="510806695"/>
+        <p14:creationId xmlns:p14="http://schemas.microsoft.com/office/powerpoint/2010/main" val="1455811952"/>
       </p:ext>
     </p:extLst>
   </p:cSld>
@@ -29310,7 +29317,7 @@
     </p:spTree>
     <p:extLst>
       <p:ext uri="{BB962C8B-B14F-4D97-AF65-F5344CB8AC3E}">
-        <p14:creationId xmlns:p14="http://schemas.microsoft.com/office/powerpoint/2010/main" val="1568269946"/>
+        <p14:creationId xmlns:p14="http://schemas.microsoft.com/office/powerpoint/2010/main" val="878379298"/>
       </p:ext>
     </p:extLst>
   </p:cSld>
@@ -29679,7 +29686,7 @@
     </p:spTree>
     <p:extLst>
       <p:ext uri="{BB962C8B-B14F-4D97-AF65-F5344CB8AC3E}">
-        <p14:creationId xmlns:p14="http://schemas.microsoft.com/office/powerpoint/2010/main" val="3480143518"/>
+        <p14:creationId xmlns:p14="http://schemas.microsoft.com/office/powerpoint/2010/main" val="1078947578"/>
       </p:ext>
     </p:extLst>
   </p:cSld>
@@ -30092,7 +30099,7 @@
     </p:spTree>
     <p:extLst>
       <p:ext uri="{BB962C8B-B14F-4D97-AF65-F5344CB8AC3E}">
-        <p14:creationId xmlns:p14="http://schemas.microsoft.com/office/powerpoint/2010/main" val="3595300327"/>
+        <p14:creationId xmlns:p14="http://schemas.microsoft.com/office/powerpoint/2010/main" val="3652660505"/>
       </p:ext>
     </p:extLst>
   </p:cSld>
@@ -30199,7 +30206,7 @@
     </p:spTree>
     <p:extLst>
       <p:ext uri="{BB962C8B-B14F-4D97-AF65-F5344CB8AC3E}">
-        <p14:creationId xmlns:p14="http://schemas.microsoft.com/office/powerpoint/2010/main" val="2363686100"/>
+        <p14:creationId xmlns:p14="http://schemas.microsoft.com/office/powerpoint/2010/main" val="4254808344"/>
       </p:ext>
     </p:extLst>
   </p:cSld>
@@ -30294,7 +30301,7 @@
     </p:spTree>
     <p:extLst>
       <p:ext uri="{BB962C8B-B14F-4D97-AF65-F5344CB8AC3E}">
-        <p14:creationId xmlns:p14="http://schemas.microsoft.com/office/powerpoint/2010/main" val="655478180"/>
+        <p14:creationId xmlns:p14="http://schemas.microsoft.com/office/powerpoint/2010/main" val="170769621"/>
       </p:ext>
     </p:extLst>
   </p:cSld>
@@ -30395,7 +30402,7 @@
     </p:spTree>
     <p:extLst>
       <p:ext uri="{BB962C8B-B14F-4D97-AF65-F5344CB8AC3E}">
-        <p14:creationId xmlns:p14="http://schemas.microsoft.com/office/powerpoint/2010/main" val="2784724414"/>
+        <p14:creationId xmlns:p14="http://schemas.microsoft.com/office/powerpoint/2010/main" val="2317346114"/>
       </p:ext>
     </p:extLst>
   </p:cSld>
@@ -30474,7 +30481,7 @@
     </p:spTree>
     <p:extLst>
       <p:ext uri="{BB962C8B-B14F-4D97-AF65-F5344CB8AC3E}">
-        <p14:creationId xmlns:p14="http://schemas.microsoft.com/office/powerpoint/2010/main" val="68014247"/>
+        <p14:creationId xmlns:p14="http://schemas.microsoft.com/office/powerpoint/2010/main" val="4122906047"/>
       </p:ext>
     </p:extLst>
   </p:cSld>
@@ -30513,7 +30520,7 @@
           <p:cNvPr id="2" name="Title 1">
             <a:extLst>
               <a:ext uri="{FF2B5EF4-FFF2-40B4-BE49-F238E27FC236}">
-                <a16:creationId xmlns:a16="http://schemas.microsoft.com/office/drawing/2014/main" xmlns="" id="{FB24BD1B-505A-4EB5-B616-D6389BB33334}"/>
+                <a16:creationId xmlns="" xmlns:a16="http://schemas.microsoft.com/office/drawing/2014/main" id="{FB24BD1B-505A-4EB5-B616-D6389BB33334}"/>
               </a:ext>
             </a:extLst>
           </p:cNvPr>
@@ -30541,7 +30548,7 @@
           <p:cNvPr id="3" name="Content Placeholder 2">
             <a:extLst>
               <a:ext uri="{FF2B5EF4-FFF2-40B4-BE49-F238E27FC236}">
-                <a16:creationId xmlns:a16="http://schemas.microsoft.com/office/drawing/2014/main" xmlns="" id="{1ADB61E9-79F5-436A-ABD4-FEA59DE3143C}"/>
+                <a16:creationId xmlns="" xmlns:a16="http://schemas.microsoft.com/office/drawing/2014/main" id="{1ADB61E9-79F5-436A-ABD4-FEA59DE3143C}"/>
               </a:ext>
             </a:extLst>
           </p:cNvPr>
@@ -30683,7 +30690,7 @@
           <p:cNvPr id="4" name="Arrow: Down 3">
             <a:extLst>
               <a:ext uri="{FF2B5EF4-FFF2-40B4-BE49-F238E27FC236}">
-                <a16:creationId xmlns:a16="http://schemas.microsoft.com/office/drawing/2014/main" xmlns="" id="{5C4FE0D0-3810-4F97-8C27-3AC869A5F085}"/>
+                <a16:creationId xmlns="" xmlns:a16="http://schemas.microsoft.com/office/drawing/2014/main" id="{5C4FE0D0-3810-4F97-8C27-3AC869A5F085}"/>
               </a:ext>
             </a:extLst>
           </p:cNvPr>
@@ -30729,7 +30736,7 @@
           <p:cNvPr id="5" name="TextBox 4">
             <a:extLst>
               <a:ext uri="{FF2B5EF4-FFF2-40B4-BE49-F238E27FC236}">
-                <a16:creationId xmlns:a16="http://schemas.microsoft.com/office/drawing/2014/main" xmlns="" id="{3EE0B404-E22A-4D3E-8B47-BED0B4461A99}"/>
+                <a16:creationId xmlns="" xmlns:a16="http://schemas.microsoft.com/office/drawing/2014/main" id="{3EE0B404-E22A-4D3E-8B47-BED0B4461A99}"/>
               </a:ext>
             </a:extLst>
           </p:cNvPr>
@@ -30779,7 +30786,7 @@
     </p:spTree>
     <p:extLst>
       <p:ext uri="{BB962C8B-B14F-4D97-AF65-F5344CB8AC3E}">
-        <p14:creationId xmlns:p14="http://schemas.microsoft.com/office/powerpoint/2010/main" val="1709053438"/>
+        <p14:creationId xmlns:p14="http://schemas.microsoft.com/office/powerpoint/2010/main" val="2187493600"/>
       </p:ext>
     </p:extLst>
   </p:cSld>
@@ -31009,7 +31016,7 @@
           <p:cNvPr id="2" name="Title 1">
             <a:extLst>
               <a:ext uri="{FF2B5EF4-FFF2-40B4-BE49-F238E27FC236}">
-                <a16:creationId xmlns:a16="http://schemas.microsoft.com/office/drawing/2014/main" xmlns="" id="{5BD927F5-A655-451F-AC56-57F0E303D971}"/>
+                <a16:creationId xmlns="" xmlns:a16="http://schemas.microsoft.com/office/drawing/2014/main" id="{5BD927F5-A655-451F-AC56-57F0E303D971}"/>
               </a:ext>
             </a:extLst>
           </p:cNvPr>
@@ -31038,7 +31045,7 @@
           <p:cNvPr id="6" name="TextBox 5">
             <a:extLst>
               <a:ext uri="{FF2B5EF4-FFF2-40B4-BE49-F238E27FC236}">
-                <a16:creationId xmlns:a16="http://schemas.microsoft.com/office/drawing/2014/main" xmlns="" id="{9B79EC18-E264-4269-85B0-052E51A6F1AF}"/>
+                <a16:creationId xmlns="" xmlns:a16="http://schemas.microsoft.com/office/drawing/2014/main" id="{9B79EC18-E264-4269-85B0-052E51A6F1AF}"/>
               </a:ext>
             </a:extLst>
           </p:cNvPr>
@@ -33835,7 +33842,7 @@
           <p:cNvPr id="9" name="TextBox 8">
             <a:extLst>
               <a:ext uri="{FF2B5EF4-FFF2-40B4-BE49-F238E27FC236}">
-                <a16:creationId xmlns:a16="http://schemas.microsoft.com/office/drawing/2014/main" xmlns="" id="{9B79EC18-E264-4269-85B0-052E51A6F1AF}"/>
+                <a16:creationId xmlns="" xmlns:a16="http://schemas.microsoft.com/office/drawing/2014/main" id="{9B79EC18-E264-4269-85B0-052E51A6F1AF}"/>
               </a:ext>
             </a:extLst>
           </p:cNvPr>
@@ -35545,7 +35552,7 @@
           <p:cNvPr id="19" name="TextBox 18">
             <a:extLst>
               <a:ext uri="{FF2B5EF4-FFF2-40B4-BE49-F238E27FC236}">
-                <a16:creationId xmlns:a16="http://schemas.microsoft.com/office/drawing/2014/main" xmlns="" id="{9B79EC18-E264-4269-85B0-052E51A6F1AF}"/>
+                <a16:creationId xmlns="" xmlns:a16="http://schemas.microsoft.com/office/drawing/2014/main" id="{9B79EC18-E264-4269-85B0-052E51A6F1AF}"/>
               </a:ext>
             </a:extLst>
           </p:cNvPr>
@@ -35585,7 +35592,7 @@
           <p:cNvPr id="21" name="TextBox 20">
             <a:extLst>
               <a:ext uri="{FF2B5EF4-FFF2-40B4-BE49-F238E27FC236}">
-                <a16:creationId xmlns:a16="http://schemas.microsoft.com/office/drawing/2014/main" xmlns="" id="{9B79EC18-E264-4269-85B0-052E51A6F1AF}"/>
+                <a16:creationId xmlns="" xmlns:a16="http://schemas.microsoft.com/office/drawing/2014/main" id="{9B79EC18-E264-4269-85B0-052E51A6F1AF}"/>
               </a:ext>
             </a:extLst>
           </p:cNvPr>
@@ -35627,7 +35634,7 @@
     </p:spTree>
     <p:extLst>
       <p:ext uri="{BB962C8B-B14F-4D97-AF65-F5344CB8AC3E}">
-        <p14:creationId xmlns:p14="http://schemas.microsoft.com/office/powerpoint/2010/main" val="3829321488"/>
+        <p14:creationId xmlns:p14="http://schemas.microsoft.com/office/powerpoint/2010/main" val="2502768493"/>
       </p:ext>
     </p:extLst>
   </p:cSld>
@@ -35641,6 +35648,1078 @@
       </p:par>
     </p:tnLst>
   </p:timing>
+</p:sld>
+</file>
+
+<file path=ppt/slides/slide31.xml><?xml version="1.0" encoding="utf-8"?>
+<p:sld xmlns:a="http://schemas.openxmlformats.org/drawingml/2006/main" xmlns:r="http://schemas.openxmlformats.org/officeDocument/2006/relationships" xmlns:p="http://schemas.openxmlformats.org/presentationml/2006/main">
+  <p:cSld>
+    <p:spTree>
+      <p:nvGrpSpPr>
+        <p:cNvPr id="1" name=""/>
+        <p:cNvGrpSpPr/>
+        <p:nvPr/>
+      </p:nvGrpSpPr>
+      <p:grpSpPr>
+        <a:xfrm>
+          <a:off x="0" y="0"/>
+          <a:ext cx="0" cy="0"/>
+          <a:chOff x="0" y="0"/>
+          <a:chExt cx="0" cy="0"/>
+        </a:xfrm>
+      </p:grpSpPr>
+      <p:sp>
+        <p:nvSpPr>
+          <p:cNvPr id="2" name="Title 1"/>
+          <p:cNvSpPr>
+            <a:spLocks noGrp="1"/>
+          </p:cNvSpPr>
+          <p:nvPr>
+            <p:ph type="title"/>
+          </p:nvPr>
+        </p:nvSpPr>
+        <p:spPr/>
+        <p:txBody>
+          <a:bodyPr/>
+          <a:lstStyle/>
+          <a:p>
+            <a:r>
+              <a:rPr lang="de-CH" dirty="0" smtClean="0"/>
+              <a:t>Testing the stencil component</a:t>
+            </a:r>
+            <a:endParaRPr lang="fr-CH" dirty="0"/>
+          </a:p>
+        </p:txBody>
+      </p:sp>
+      <p:sp>
+        <p:nvSpPr>
+          <p:cNvPr id="3" name="Content Placeholder 2"/>
+          <p:cNvSpPr>
+            <a:spLocks noGrp="1"/>
+          </p:cNvSpPr>
+          <p:nvPr>
+            <p:ph idx="1"/>
+          </p:nvPr>
+        </p:nvSpPr>
+        <p:spPr/>
+        <p:txBody>
+          <a:bodyPr/>
+          <a:lstStyle/>
+          <a:p>
+            <a:pPr marL="0" indent="0">
+              <a:buNone/>
+            </a:pPr>
+            <a:r>
+              <a:rPr lang="de-CH" b="1" dirty="0" smtClean="0"/>
+              <a:t>npm start</a:t>
+            </a:r>
+            <a:endParaRPr lang="fr-CH" b="1" dirty="0"/>
+          </a:p>
+        </p:txBody>
+      </p:sp>
+      <p:sp>
+        <p:nvSpPr>
+          <p:cNvPr id="4" name="Title 1"/>
+          <p:cNvSpPr txBox="1">
+            <a:spLocks/>
+          </p:cNvSpPr>
+          <p:nvPr/>
+        </p:nvSpPr>
+        <p:spPr>
+          <a:xfrm>
+            <a:off x="1122898" y="3334656"/>
+            <a:ext cx="9905998" cy="1478570"/>
+          </a:xfrm>
+          <a:prstGeom prst="rect">
+            <a:avLst/>
+          </a:prstGeom>
+        </p:spPr>
+        <p:txBody>
+          <a:bodyPr vert="horz" lIns="91440" tIns="45720" rIns="91440" bIns="45720" rtlCol="0" anchor="ctr">
+            <a:normAutofit/>
+          </a:bodyPr>
+          <a:lstStyle>
+            <a:lvl1pPr algn="l" defTabSz="914400" rtl="0" eaLnBrk="1" latinLnBrk="0" hangingPunct="1">
+              <a:lnSpc>
+                <a:spcPct val="90000"/>
+              </a:lnSpc>
+              <a:spcBef>
+                <a:spcPct val="0"/>
+              </a:spcBef>
+              <a:buNone/>
+              <a:defRPr sz="3600" kern="1200" cap="all" baseline="0">
+                <a:solidFill>
+                  <a:schemeClr val="tx1"/>
+                </a:solidFill>
+                <a:latin typeface="+mj-lt"/>
+                <a:ea typeface="+mj-ea"/>
+                <a:cs typeface="+mj-cs"/>
+              </a:defRPr>
+            </a:lvl1pPr>
+          </a:lstStyle>
+          <a:p>
+            <a:r>
+              <a:rPr lang="de-CH" dirty="0" smtClean="0"/>
+              <a:t>Building the stencil component</a:t>
+            </a:r>
+            <a:endParaRPr lang="fr-CH" dirty="0"/>
+          </a:p>
+        </p:txBody>
+      </p:sp>
+      <p:sp>
+        <p:nvSpPr>
+          <p:cNvPr id="5" name="Content Placeholder 2"/>
+          <p:cNvSpPr txBox="1">
+            <a:spLocks/>
+          </p:cNvSpPr>
+          <p:nvPr/>
+        </p:nvSpPr>
+        <p:spPr>
+          <a:xfrm>
+            <a:off x="1122898" y="4965625"/>
+            <a:ext cx="9905999" cy="3541714"/>
+          </a:xfrm>
+          <a:prstGeom prst="rect">
+            <a:avLst/>
+          </a:prstGeom>
+        </p:spPr>
+        <p:txBody>
+          <a:bodyPr vert="horz" lIns="91440" tIns="45720" rIns="91440" bIns="45720" rtlCol="0">
+            <a:normAutofit/>
+          </a:bodyPr>
+          <a:lstStyle>
+            <a:lvl1pPr marL="228600" indent="-228600" algn="l" defTabSz="914400" rtl="0" eaLnBrk="1" latinLnBrk="0" hangingPunct="1">
+              <a:lnSpc>
+                <a:spcPct val="120000"/>
+              </a:lnSpc>
+              <a:spcBef>
+                <a:spcPts val="1000"/>
+              </a:spcBef>
+              <a:buSzPct val="125000"/>
+              <a:buFont typeface="Arial" panose="020B0604020202020204" pitchFamily="34" charset="0"/>
+              <a:buChar char="•"/>
+              <a:defRPr sz="2400" kern="1200">
+                <a:solidFill>
+                  <a:schemeClr val="tx1"/>
+                </a:solidFill>
+                <a:latin typeface="+mn-lt"/>
+                <a:ea typeface="+mn-ea"/>
+                <a:cs typeface="+mn-cs"/>
+              </a:defRPr>
+            </a:lvl1pPr>
+            <a:lvl2pPr marL="685800" indent="-228600" algn="l" defTabSz="914400" rtl="0" eaLnBrk="1" latinLnBrk="0" hangingPunct="1">
+              <a:lnSpc>
+                <a:spcPct val="120000"/>
+              </a:lnSpc>
+              <a:spcBef>
+                <a:spcPts val="500"/>
+              </a:spcBef>
+              <a:buSzPct val="125000"/>
+              <a:buFont typeface="Arial" panose="020B0604020202020204" pitchFamily="34" charset="0"/>
+              <a:buChar char="•"/>
+              <a:defRPr sz="2000" kern="1200">
+                <a:solidFill>
+                  <a:schemeClr val="tx1"/>
+                </a:solidFill>
+                <a:latin typeface="+mn-lt"/>
+                <a:ea typeface="+mn-ea"/>
+                <a:cs typeface="+mn-cs"/>
+              </a:defRPr>
+            </a:lvl2pPr>
+            <a:lvl3pPr marL="1143000" indent="-228600" algn="l" defTabSz="914400" rtl="0" eaLnBrk="1" latinLnBrk="0" hangingPunct="1">
+              <a:lnSpc>
+                <a:spcPct val="120000"/>
+              </a:lnSpc>
+              <a:spcBef>
+                <a:spcPts val="500"/>
+              </a:spcBef>
+              <a:buSzPct val="125000"/>
+              <a:buFont typeface="Arial" panose="020B0604020202020204" pitchFamily="34" charset="0"/>
+              <a:buChar char="•"/>
+              <a:defRPr sz="1800" kern="1200">
+                <a:solidFill>
+                  <a:schemeClr val="tx1"/>
+                </a:solidFill>
+                <a:latin typeface="+mn-lt"/>
+                <a:ea typeface="+mn-ea"/>
+                <a:cs typeface="+mn-cs"/>
+              </a:defRPr>
+            </a:lvl3pPr>
+            <a:lvl4pPr marL="1600200" indent="-228600" algn="l" defTabSz="914400" rtl="0" eaLnBrk="1" latinLnBrk="0" hangingPunct="1">
+              <a:lnSpc>
+                <a:spcPct val="120000"/>
+              </a:lnSpc>
+              <a:spcBef>
+                <a:spcPts val="500"/>
+              </a:spcBef>
+              <a:buSzPct val="125000"/>
+              <a:buFont typeface="Arial" panose="020B0604020202020204" pitchFamily="34" charset="0"/>
+              <a:buChar char="•"/>
+              <a:defRPr sz="1600" kern="1200">
+                <a:solidFill>
+                  <a:schemeClr val="tx1"/>
+                </a:solidFill>
+                <a:latin typeface="+mn-lt"/>
+                <a:ea typeface="+mn-ea"/>
+                <a:cs typeface="+mn-cs"/>
+              </a:defRPr>
+            </a:lvl4pPr>
+            <a:lvl5pPr marL="2057400" indent="-228600" algn="l" defTabSz="914400" rtl="0" eaLnBrk="1" latinLnBrk="0" hangingPunct="1">
+              <a:lnSpc>
+                <a:spcPct val="120000"/>
+              </a:lnSpc>
+              <a:spcBef>
+                <a:spcPts val="500"/>
+              </a:spcBef>
+              <a:buSzPct val="125000"/>
+              <a:buFont typeface="Arial" panose="020B0604020202020204" pitchFamily="34" charset="0"/>
+              <a:buChar char="•"/>
+              <a:defRPr sz="1600" kern="1200">
+                <a:solidFill>
+                  <a:schemeClr val="tx1"/>
+                </a:solidFill>
+                <a:latin typeface="+mn-lt"/>
+                <a:ea typeface="+mn-ea"/>
+                <a:cs typeface="+mn-cs"/>
+              </a:defRPr>
+            </a:lvl5pPr>
+            <a:lvl6pPr marL="2514600" indent="-228600" algn="l" defTabSz="914400" rtl="0" eaLnBrk="1" latinLnBrk="0" hangingPunct="1">
+              <a:lnSpc>
+                <a:spcPct val="120000"/>
+              </a:lnSpc>
+              <a:spcBef>
+                <a:spcPts val="500"/>
+              </a:spcBef>
+              <a:buSzPct val="125000"/>
+              <a:buFont typeface="Arial" panose="020B0604020202020204" pitchFamily="34" charset="0"/>
+              <a:buChar char="•"/>
+              <a:defRPr sz="1400" kern="1200">
+                <a:solidFill>
+                  <a:schemeClr val="tx1"/>
+                </a:solidFill>
+                <a:latin typeface="+mn-lt"/>
+                <a:ea typeface="+mn-ea"/>
+                <a:cs typeface="+mn-cs"/>
+              </a:defRPr>
+            </a:lvl6pPr>
+            <a:lvl7pPr marL="2971800" indent="-228600" algn="l" defTabSz="914400" rtl="0" eaLnBrk="1" latinLnBrk="0" hangingPunct="1">
+              <a:lnSpc>
+                <a:spcPct val="120000"/>
+              </a:lnSpc>
+              <a:spcBef>
+                <a:spcPts val="500"/>
+              </a:spcBef>
+              <a:buSzPct val="125000"/>
+              <a:buFont typeface="Arial" panose="020B0604020202020204" pitchFamily="34" charset="0"/>
+              <a:buChar char="•"/>
+              <a:defRPr sz="1400" kern="1200">
+                <a:solidFill>
+                  <a:schemeClr val="tx1"/>
+                </a:solidFill>
+                <a:latin typeface="+mn-lt"/>
+                <a:ea typeface="+mn-ea"/>
+                <a:cs typeface="+mn-cs"/>
+              </a:defRPr>
+            </a:lvl7pPr>
+            <a:lvl8pPr marL="3429000" indent="-228600" algn="l" defTabSz="914400" rtl="0" eaLnBrk="1" latinLnBrk="0" hangingPunct="1">
+              <a:lnSpc>
+                <a:spcPct val="120000"/>
+              </a:lnSpc>
+              <a:spcBef>
+                <a:spcPts val="500"/>
+              </a:spcBef>
+              <a:buSzPct val="125000"/>
+              <a:buFont typeface="Arial" panose="020B0604020202020204" pitchFamily="34" charset="0"/>
+              <a:buChar char="•"/>
+              <a:defRPr sz="1400" kern="1200">
+                <a:solidFill>
+                  <a:schemeClr val="tx1"/>
+                </a:solidFill>
+                <a:latin typeface="+mn-lt"/>
+                <a:ea typeface="+mn-ea"/>
+                <a:cs typeface="+mn-cs"/>
+              </a:defRPr>
+            </a:lvl8pPr>
+            <a:lvl9pPr marL="3886200" indent="-228600" algn="l" defTabSz="914400" rtl="0" eaLnBrk="1" latinLnBrk="0" hangingPunct="1">
+              <a:lnSpc>
+                <a:spcPct val="120000"/>
+              </a:lnSpc>
+              <a:spcBef>
+                <a:spcPts val="500"/>
+              </a:spcBef>
+              <a:buSzPct val="125000"/>
+              <a:buFont typeface="Arial" panose="020B0604020202020204" pitchFamily="34" charset="0"/>
+              <a:buChar char="•"/>
+              <a:defRPr sz="1400" kern="1200">
+                <a:solidFill>
+                  <a:schemeClr val="tx1"/>
+                </a:solidFill>
+                <a:latin typeface="+mn-lt"/>
+                <a:ea typeface="+mn-ea"/>
+                <a:cs typeface="+mn-cs"/>
+              </a:defRPr>
+            </a:lvl9pPr>
+          </a:lstStyle>
+          <a:p>
+            <a:pPr marL="0" indent="0">
+              <a:buNone/>
+            </a:pPr>
+            <a:r>
+              <a:rPr lang="de-CH" b="1" dirty="0" smtClean="0"/>
+              <a:t>npm run build</a:t>
+            </a:r>
+            <a:endParaRPr lang="fr-CH" b="1" dirty="0"/>
+          </a:p>
+        </p:txBody>
+      </p:sp>
+    </p:spTree>
+    <p:extLst>
+      <p:ext uri="{BB962C8B-B14F-4D97-AF65-F5344CB8AC3E}">
+        <p14:creationId xmlns:p14="http://schemas.microsoft.com/office/powerpoint/2010/main" val="3200923892"/>
+      </p:ext>
+    </p:extLst>
+  </p:cSld>
+  <p:clrMapOvr>
+    <a:masterClrMapping/>
+  </p:clrMapOvr>
+</p:sld>
+</file>
+
+<file path=ppt/slides/slide32.xml><?xml version="1.0" encoding="utf-8"?>
+<p:sld xmlns:a="http://schemas.openxmlformats.org/drawingml/2006/main" xmlns:r="http://schemas.openxmlformats.org/officeDocument/2006/relationships" xmlns:p="http://schemas.openxmlformats.org/presentationml/2006/main">
+  <p:cSld>
+    <p:spTree>
+      <p:nvGrpSpPr>
+        <p:cNvPr id="1" name=""/>
+        <p:cNvGrpSpPr/>
+        <p:nvPr/>
+      </p:nvGrpSpPr>
+      <p:grpSpPr>
+        <a:xfrm>
+          <a:off x="0" y="0"/>
+          <a:ext cx="0" cy="0"/>
+          <a:chOff x="0" y="0"/>
+          <a:chExt cx="0" cy="0"/>
+        </a:xfrm>
+      </p:grpSpPr>
+      <p:sp>
+        <p:nvSpPr>
+          <p:cNvPr id="4" name="Title 3"/>
+          <p:cNvSpPr>
+            <a:spLocks noGrp="1"/>
+          </p:cNvSpPr>
+          <p:nvPr>
+            <p:ph type="title"/>
+          </p:nvPr>
+        </p:nvSpPr>
+        <p:spPr/>
+        <p:txBody>
+          <a:bodyPr/>
+          <a:lstStyle/>
+          <a:p>
+            <a:r>
+              <a:rPr lang="de-CH" dirty="0" smtClean="0"/>
+              <a:t>Using the stencil component in ionic</a:t>
+            </a:r>
+            <a:endParaRPr lang="fr-CH" dirty="0"/>
+          </a:p>
+        </p:txBody>
+      </p:sp>
+      <p:sp>
+        <p:nvSpPr>
+          <p:cNvPr id="5" name="Content Placeholder 4"/>
+          <p:cNvSpPr>
+            <a:spLocks noGrp="1"/>
+          </p:cNvSpPr>
+          <p:nvPr>
+            <p:ph idx="1"/>
+          </p:nvPr>
+        </p:nvSpPr>
+        <p:spPr/>
+        <p:txBody>
+          <a:bodyPr/>
+          <a:lstStyle/>
+          <a:p>
+            <a:r>
+              <a:rPr lang="de-CH" dirty="0" smtClean="0"/>
+              <a:t>Copy the build folder (www/build)</a:t>
+            </a:r>
+          </a:p>
+          <a:p>
+            <a:r>
+              <a:rPr lang="de-CH" dirty="0" smtClean="0"/>
+              <a:t>Paste in ionic project under src/assets/lib</a:t>
+            </a:r>
+          </a:p>
+        </p:txBody>
+      </p:sp>
+    </p:spTree>
+    <p:extLst>
+      <p:ext uri="{BB962C8B-B14F-4D97-AF65-F5344CB8AC3E}">
+        <p14:creationId xmlns:p14="http://schemas.microsoft.com/office/powerpoint/2010/main" val="2784148958"/>
+      </p:ext>
+    </p:extLst>
+  </p:cSld>
+  <p:clrMapOvr>
+    <a:masterClrMapping/>
+  </p:clrMapOvr>
+</p:sld>
+</file>
+
+<file path=ppt/slides/slide33.xml><?xml version="1.0" encoding="utf-8"?>
+<p:sld xmlns:a="http://schemas.openxmlformats.org/drawingml/2006/main" xmlns:r="http://schemas.openxmlformats.org/officeDocument/2006/relationships" xmlns:p="http://schemas.openxmlformats.org/presentationml/2006/main">
+  <p:cSld>
+    <p:spTree>
+      <p:nvGrpSpPr>
+        <p:cNvPr id="1" name=""/>
+        <p:cNvGrpSpPr/>
+        <p:nvPr/>
+      </p:nvGrpSpPr>
+      <p:grpSpPr>
+        <a:xfrm>
+          <a:off x="0" y="0"/>
+          <a:ext cx="0" cy="0"/>
+          <a:chOff x="0" y="0"/>
+          <a:chExt cx="0" cy="0"/>
+        </a:xfrm>
+      </p:grpSpPr>
+      <p:sp>
+        <p:nvSpPr>
+          <p:cNvPr id="4" name="Title 3"/>
+          <p:cNvSpPr>
+            <a:spLocks noGrp="1"/>
+          </p:cNvSpPr>
+          <p:nvPr>
+            <p:ph type="title"/>
+          </p:nvPr>
+        </p:nvSpPr>
+        <p:spPr/>
+        <p:txBody>
+          <a:bodyPr/>
+          <a:lstStyle/>
+          <a:p>
+            <a:r>
+              <a:rPr lang="de-CH" dirty="0" smtClean="0"/>
+              <a:t>Using the stencil component in ionic (2)</a:t>
+            </a:r>
+            <a:endParaRPr lang="fr-CH" dirty="0"/>
+          </a:p>
+        </p:txBody>
+      </p:sp>
+      <p:sp>
+        <p:nvSpPr>
+          <p:cNvPr id="3" name="Rectangle 1"/>
+          <p:cNvSpPr>
+            <a:spLocks noChangeArrowheads="1"/>
+          </p:cNvSpPr>
+          <p:nvPr/>
+        </p:nvSpPr>
+        <p:spPr bwMode="auto">
+          <a:xfrm>
+            <a:off x="1102407" y="2871805"/>
+            <a:ext cx="4614730" cy="276999"/>
+          </a:xfrm>
+          <a:prstGeom prst="rect">
+            <a:avLst/>
+          </a:prstGeom>
+          <a:solidFill>
+            <a:srgbClr val="2B2B2B"/>
+          </a:solidFill>
+          <a:ln>
+            <a:noFill/>
+          </a:ln>
+          <a:effectLst/>
+          <a:extLst>
+            <a:ext uri="{91240B29-F687-4F45-9708-019B960494DF}">
+              <a14:hiddenLine xmlns:a14="http://schemas.microsoft.com/office/drawing/2010/main" w="9525">
+                <a:solidFill>
+                  <a:schemeClr val="tx1"/>
+                </a:solidFill>
+                <a:miter lim="800000"/>
+                <a:headEnd/>
+                <a:tailEnd/>
+              </a14:hiddenLine>
+            </a:ext>
+            <a:ext uri="{AF507438-7753-43E0-B8FC-AC1667EBCBE1}">
+              <a14:hiddenEffects xmlns:a14="http://schemas.microsoft.com/office/drawing/2010/main">
+                <a:effectLst>
+                  <a:outerShdw dist="35921" dir="2700000" algn="ctr" rotWithShape="0">
+                    <a:schemeClr val="bg2"/>
+                  </a:outerShdw>
+                </a:effectLst>
+              </a14:hiddenEffects>
+            </a:ext>
+          </a:extLst>
+        </p:spPr>
+        <p:txBody>
+          <a:bodyPr vert="horz" wrap="square" lIns="91440" tIns="45720" rIns="91440" bIns="45720" numCol="1" anchor="ctr" anchorCtr="0" compatLnSpc="1">
+            <a:prstTxWarp prst="textNoShape">
+              <a:avLst/>
+            </a:prstTxWarp>
+            <a:spAutoFit/>
+          </a:bodyPr>
+          <a:lstStyle/>
+          <a:p>
+            <a:pPr marL="0" marR="0" lvl="0" indent="0" algn="l" defTabSz="914400" rtl="0" eaLnBrk="1" fontAlgn="base" latinLnBrk="0" hangingPunct="1">
+              <a:lnSpc>
+                <a:spcPct val="100000"/>
+              </a:lnSpc>
+              <a:spcBef>
+                <a:spcPct val="0"/>
+              </a:spcBef>
+              <a:spcAft>
+                <a:spcPct val="0"/>
+              </a:spcAft>
+              <a:buClrTx/>
+              <a:buSzTx/>
+              <a:buFontTx/>
+              <a:buNone/>
+              <a:tabLst/>
+            </a:pPr>
+            <a:r>
+              <a:rPr kumimoji="0" lang="fr-FR" altLang="fr-FR" sz="1200" b="0" i="0" u="none" strike="noStrike" cap="none" normalizeH="0" baseline="0" dirty="0" smtClean="0">
+                <a:ln>
+                  <a:noFill/>
+                </a:ln>
+                <a:solidFill>
+                  <a:srgbClr val="E8BF6A"/>
+                </a:solidFill>
+                <a:effectLst/>
+                <a:latin typeface="Courier New" pitchFamily="49" charset="0"/>
+                <a:cs typeface="Courier New" pitchFamily="49" charset="0"/>
+              </a:rPr>
+              <a:t>&lt;script </a:t>
+            </a:r>
+            <a:r>
+              <a:rPr kumimoji="0" lang="fr-FR" altLang="fr-FR" sz="1200" b="0" i="0" u="none" strike="noStrike" cap="none" normalizeH="0" baseline="0" dirty="0" err="1" smtClean="0">
+                <a:ln>
+                  <a:noFill/>
+                </a:ln>
+                <a:solidFill>
+                  <a:srgbClr val="BABABA"/>
+                </a:solidFill>
+                <a:effectLst/>
+                <a:latin typeface="Courier New" pitchFamily="49" charset="0"/>
+                <a:cs typeface="Courier New" pitchFamily="49" charset="0"/>
+              </a:rPr>
+              <a:t>src</a:t>
+            </a:r>
+            <a:r>
+              <a:rPr kumimoji="0" lang="fr-FR" altLang="fr-FR" sz="1200" b="0" i="0" u="none" strike="noStrike" cap="none" normalizeH="0" baseline="0" dirty="0" smtClean="0">
+                <a:ln>
+                  <a:noFill/>
+                </a:ln>
+                <a:solidFill>
+                  <a:srgbClr val="BABABA"/>
+                </a:solidFill>
+                <a:effectLst/>
+                <a:latin typeface="Courier New" pitchFamily="49" charset="0"/>
+                <a:cs typeface="Courier New" pitchFamily="49" charset="0"/>
+              </a:rPr>
+              <a:t>=</a:t>
+            </a:r>
+            <a:r>
+              <a:rPr kumimoji="0" lang="fr-FR" altLang="fr-FR" sz="1200" b="0" i="0" u="none" strike="noStrike" cap="none" normalizeH="0" baseline="0" dirty="0" smtClean="0">
+                <a:ln>
+                  <a:noFill/>
+                </a:ln>
+                <a:solidFill>
+                  <a:srgbClr val="A5C261"/>
+                </a:solidFill>
+                <a:effectLst/>
+                <a:latin typeface="Courier New" pitchFamily="49" charset="0"/>
+                <a:cs typeface="Courier New" pitchFamily="49" charset="0"/>
+              </a:rPr>
+              <a:t>"</a:t>
+            </a:r>
+            <a:r>
+              <a:rPr kumimoji="0" lang="fr-FR" altLang="fr-FR" sz="1200" b="0" i="0" u="none" strike="noStrike" cap="none" normalizeH="0" baseline="0" dirty="0" err="1" smtClean="0">
+                <a:ln>
+                  <a:noFill/>
+                </a:ln>
+                <a:solidFill>
+                  <a:srgbClr val="A5C261"/>
+                </a:solidFill>
+                <a:effectLst/>
+                <a:latin typeface="Courier New" pitchFamily="49" charset="0"/>
+                <a:cs typeface="Courier New" pitchFamily="49" charset="0"/>
+              </a:rPr>
+              <a:t>assets</a:t>
+            </a:r>
+            <a:r>
+              <a:rPr kumimoji="0" lang="fr-FR" altLang="fr-FR" sz="1200" b="0" i="0" u="none" strike="noStrike" cap="none" normalizeH="0" baseline="0" dirty="0" smtClean="0">
+                <a:ln>
+                  <a:noFill/>
+                </a:ln>
+                <a:solidFill>
+                  <a:srgbClr val="A5C261"/>
+                </a:solidFill>
+                <a:effectLst/>
+                <a:latin typeface="Courier New" pitchFamily="49" charset="0"/>
+                <a:cs typeface="Courier New" pitchFamily="49" charset="0"/>
+              </a:rPr>
+              <a:t>/lib/</a:t>
+            </a:r>
+            <a:r>
+              <a:rPr kumimoji="0" lang="fr-FR" altLang="fr-FR" sz="1200" b="0" i="0" u="none" strike="noStrike" cap="none" normalizeH="0" baseline="0" dirty="0" err="1" smtClean="0">
+                <a:ln>
+                  <a:noFill/>
+                </a:ln>
+                <a:solidFill>
+                  <a:srgbClr val="A5C261"/>
+                </a:solidFill>
+                <a:effectLst/>
+                <a:latin typeface="Courier New" pitchFamily="49" charset="0"/>
+                <a:cs typeface="Courier New" pitchFamily="49" charset="0"/>
+              </a:rPr>
+              <a:t>build</a:t>
+            </a:r>
+            <a:r>
+              <a:rPr kumimoji="0" lang="fr-FR" altLang="fr-FR" sz="1200" b="0" i="0" u="none" strike="noStrike" cap="none" normalizeH="0" baseline="0" dirty="0" smtClean="0">
+                <a:ln>
+                  <a:noFill/>
+                </a:ln>
+                <a:solidFill>
+                  <a:srgbClr val="A5C261"/>
+                </a:solidFill>
+                <a:effectLst/>
+                <a:latin typeface="Courier New" pitchFamily="49" charset="0"/>
+                <a:cs typeface="Courier New" pitchFamily="49" charset="0"/>
+              </a:rPr>
+              <a:t>/app.js"</a:t>
+            </a:r>
+            <a:r>
+              <a:rPr kumimoji="0" lang="fr-FR" altLang="fr-FR" sz="1200" b="0" i="0" u="none" strike="noStrike" cap="none" normalizeH="0" baseline="0" dirty="0" smtClean="0">
+                <a:ln>
+                  <a:noFill/>
+                </a:ln>
+                <a:solidFill>
+                  <a:srgbClr val="E8BF6A"/>
+                </a:solidFill>
+                <a:effectLst/>
+                <a:latin typeface="Courier New" pitchFamily="49" charset="0"/>
+                <a:cs typeface="Courier New" pitchFamily="49" charset="0"/>
+              </a:rPr>
+              <a:t>&gt;&lt;/script&gt;</a:t>
+            </a:r>
+            <a:endParaRPr kumimoji="0" lang="fr-FR" altLang="fr-FR" sz="3200" b="0" i="0" u="none" strike="noStrike" cap="none" normalizeH="0" baseline="0" dirty="0" smtClean="0">
+              <a:ln>
+                <a:noFill/>
+              </a:ln>
+              <a:solidFill>
+                <a:schemeClr val="tx1"/>
+              </a:solidFill>
+              <a:effectLst/>
+              <a:latin typeface="Arial" pitchFamily="34" charset="0"/>
+              <a:cs typeface="Arial" pitchFamily="34" charset="0"/>
+            </a:endParaRPr>
+          </a:p>
+        </p:txBody>
+      </p:sp>
+      <p:sp>
+        <p:nvSpPr>
+          <p:cNvPr id="6" name="TextBox 5">
+            <a:extLst>
+              <a:ext uri="{FF2B5EF4-FFF2-40B4-BE49-F238E27FC236}">
+                <a16:creationId xmlns="" xmlns:a16="http://schemas.microsoft.com/office/drawing/2014/main" id="{9B79EC18-E264-4269-85B0-052E51A6F1AF}"/>
+              </a:ext>
+            </a:extLst>
+          </p:cNvPr>
+          <p:cNvSpPr txBox="1"/>
+          <p:nvPr/>
+        </p:nvSpPr>
+        <p:spPr>
+          <a:xfrm>
+            <a:off x="1102407" y="2502473"/>
+            <a:ext cx="3994485" cy="369332"/>
+          </a:xfrm>
+          <a:prstGeom prst="rect">
+            <a:avLst/>
+          </a:prstGeom>
+          <a:noFill/>
+        </p:spPr>
+        <p:txBody>
+          <a:bodyPr wrap="square" rtlCol="0">
+            <a:spAutoFit/>
+          </a:bodyPr>
+          <a:lstStyle/>
+          <a:p>
+            <a:r>
+              <a:rPr lang="en-US" dirty="0" smtClean="0"/>
+              <a:t>Add this to index.html</a:t>
+            </a:r>
+            <a:endParaRPr lang="en-US" dirty="0"/>
+          </a:p>
+        </p:txBody>
+      </p:sp>
+      <p:sp>
+        <p:nvSpPr>
+          <p:cNvPr id="8" name="TextBox 7">
+            <a:extLst>
+              <a:ext uri="{FF2B5EF4-FFF2-40B4-BE49-F238E27FC236}">
+                <a16:creationId xmlns="" xmlns:a16="http://schemas.microsoft.com/office/drawing/2014/main" id="{9B79EC18-E264-4269-85B0-052E51A6F1AF}"/>
+              </a:ext>
+            </a:extLst>
+          </p:cNvPr>
+          <p:cNvSpPr txBox="1"/>
+          <p:nvPr/>
+        </p:nvSpPr>
+        <p:spPr>
+          <a:xfrm>
+            <a:off x="1102406" y="3654731"/>
+            <a:ext cx="3994485" cy="369332"/>
+          </a:xfrm>
+          <a:prstGeom prst="rect">
+            <a:avLst/>
+          </a:prstGeom>
+          <a:noFill/>
+        </p:spPr>
+        <p:txBody>
+          <a:bodyPr wrap="square" rtlCol="0">
+            <a:spAutoFit/>
+          </a:bodyPr>
+          <a:lstStyle/>
+          <a:p>
+            <a:r>
+              <a:rPr lang="en-US" dirty="0" smtClean="0"/>
+              <a:t>Add this to </a:t>
+            </a:r>
+            <a:r>
+              <a:rPr lang="en-US" dirty="0" err="1" smtClean="0"/>
+              <a:t>app.module.ts</a:t>
+            </a:r>
+            <a:endParaRPr lang="en-US" dirty="0"/>
+          </a:p>
+        </p:txBody>
+      </p:sp>
+      <p:sp>
+        <p:nvSpPr>
+          <p:cNvPr id="9" name="Rectangle 2"/>
+          <p:cNvSpPr>
+            <a:spLocks noChangeArrowheads="1"/>
+          </p:cNvSpPr>
+          <p:nvPr/>
+        </p:nvSpPr>
+        <p:spPr bwMode="auto">
+          <a:xfrm>
+            <a:off x="1102408" y="4022689"/>
+            <a:ext cx="5264210" cy="276999"/>
+          </a:xfrm>
+          <a:prstGeom prst="rect">
+            <a:avLst/>
+          </a:prstGeom>
+          <a:solidFill>
+            <a:srgbClr val="2B2B2B"/>
+          </a:solidFill>
+          <a:ln>
+            <a:noFill/>
+          </a:ln>
+          <a:effectLst/>
+          <a:extLst>
+            <a:ext uri="{91240B29-F687-4F45-9708-019B960494DF}">
+              <a14:hiddenLine xmlns:a14="http://schemas.microsoft.com/office/drawing/2010/main" w="9525">
+                <a:solidFill>
+                  <a:schemeClr val="tx1"/>
+                </a:solidFill>
+                <a:miter lim="800000"/>
+                <a:headEnd/>
+                <a:tailEnd/>
+              </a14:hiddenLine>
+            </a:ext>
+            <a:ext uri="{AF507438-7753-43E0-B8FC-AC1667EBCBE1}">
+              <a14:hiddenEffects xmlns:a14="http://schemas.microsoft.com/office/drawing/2010/main">
+                <a:effectLst>
+                  <a:outerShdw dist="35921" dir="2700000" algn="ctr" rotWithShape="0">
+                    <a:schemeClr val="bg2"/>
+                  </a:outerShdw>
+                </a:effectLst>
+              </a14:hiddenEffects>
+            </a:ext>
+          </a:extLst>
+        </p:spPr>
+        <p:txBody>
+          <a:bodyPr vert="horz" wrap="square" lIns="91440" tIns="45720" rIns="91440" bIns="45720" numCol="1" anchor="ctr" anchorCtr="0" compatLnSpc="1">
+            <a:prstTxWarp prst="textNoShape">
+              <a:avLst/>
+            </a:prstTxWarp>
+            <a:spAutoFit/>
+          </a:bodyPr>
+          <a:lstStyle/>
+          <a:p>
+            <a:pPr marL="0" marR="0" lvl="0" indent="0" algn="l" defTabSz="914400" rtl="0" eaLnBrk="1" fontAlgn="base" latinLnBrk="0" hangingPunct="1">
+              <a:lnSpc>
+                <a:spcPct val="100000"/>
+              </a:lnSpc>
+              <a:spcBef>
+                <a:spcPct val="0"/>
+              </a:spcBef>
+              <a:spcAft>
+                <a:spcPct val="0"/>
+              </a:spcAft>
+              <a:buClrTx/>
+              <a:buSzTx/>
+              <a:buFontTx/>
+              <a:buNone/>
+              <a:tabLst/>
+            </a:pPr>
+            <a:r>
+              <a:rPr kumimoji="0" lang="fr-FR" altLang="fr-FR" sz="1200" b="1" i="0" u="none" strike="noStrike" cap="none" normalizeH="0" baseline="0" smtClean="0">
+                <a:ln>
+                  <a:noFill/>
+                </a:ln>
+                <a:solidFill>
+                  <a:srgbClr val="CC7832"/>
+                </a:solidFill>
+                <a:effectLst/>
+                <a:latin typeface="Courier New" pitchFamily="49" charset="0"/>
+                <a:cs typeface="Courier New" pitchFamily="49" charset="0"/>
+              </a:rPr>
+              <a:t>import </a:t>
+            </a:r>
+            <a:r>
+              <a:rPr kumimoji="0" lang="fr-FR" altLang="fr-FR" sz="1200" b="0" i="0" u="none" strike="noStrike" cap="none" normalizeH="0" baseline="0" smtClean="0">
+                <a:ln>
+                  <a:noFill/>
+                </a:ln>
+                <a:solidFill>
+                  <a:srgbClr val="A9B7C6"/>
+                </a:solidFill>
+                <a:effectLst/>
+                <a:latin typeface="Courier New" pitchFamily="49" charset="0"/>
+                <a:cs typeface="Courier New" pitchFamily="49" charset="0"/>
+              </a:rPr>
+              <a:t>{ CUSTOM_ELEMENTS_SCHEMA } </a:t>
+            </a:r>
+            <a:r>
+              <a:rPr kumimoji="0" lang="fr-FR" altLang="fr-FR" sz="1200" b="1" i="0" u="none" strike="noStrike" cap="none" normalizeH="0" baseline="0" smtClean="0">
+                <a:ln>
+                  <a:noFill/>
+                </a:ln>
+                <a:solidFill>
+                  <a:srgbClr val="CC7832"/>
+                </a:solidFill>
+                <a:effectLst/>
+                <a:latin typeface="Courier New" pitchFamily="49" charset="0"/>
+                <a:cs typeface="Courier New" pitchFamily="49" charset="0"/>
+              </a:rPr>
+              <a:t>from </a:t>
+            </a:r>
+            <a:r>
+              <a:rPr kumimoji="0" lang="fr-FR" altLang="fr-FR" sz="1200" b="0" i="0" u="none" strike="noStrike" cap="none" normalizeH="0" baseline="0" smtClean="0">
+                <a:ln>
+                  <a:noFill/>
+                </a:ln>
+                <a:solidFill>
+                  <a:srgbClr val="6A8759"/>
+                </a:solidFill>
+                <a:effectLst/>
+                <a:latin typeface="Courier New" pitchFamily="49" charset="0"/>
+                <a:cs typeface="Courier New" pitchFamily="49" charset="0"/>
+              </a:rPr>
+              <a:t>'@angular/core'</a:t>
+            </a:r>
+            <a:r>
+              <a:rPr kumimoji="0" lang="fr-FR" altLang="fr-FR" sz="1200" b="0" i="0" u="none" strike="noStrike" cap="none" normalizeH="0" baseline="0" smtClean="0">
+                <a:ln>
+                  <a:noFill/>
+                </a:ln>
+                <a:solidFill>
+                  <a:srgbClr val="CC7832"/>
+                </a:solidFill>
+                <a:effectLst/>
+                <a:latin typeface="Courier New" pitchFamily="49" charset="0"/>
+                <a:cs typeface="Courier New" pitchFamily="49" charset="0"/>
+              </a:rPr>
+              <a:t>;</a:t>
+            </a:r>
+            <a:endParaRPr kumimoji="0" lang="fr-FR" altLang="fr-FR" sz="3200" b="0" i="0" u="none" strike="noStrike" cap="none" normalizeH="0" baseline="0" smtClean="0">
+              <a:ln>
+                <a:noFill/>
+              </a:ln>
+              <a:solidFill>
+                <a:schemeClr val="tx1"/>
+              </a:solidFill>
+              <a:effectLst/>
+              <a:latin typeface="Arial" pitchFamily="34" charset="0"/>
+              <a:cs typeface="Arial" pitchFamily="34" charset="0"/>
+            </a:endParaRPr>
+          </a:p>
+        </p:txBody>
+      </p:sp>
+      <p:sp>
+        <p:nvSpPr>
+          <p:cNvPr id="10" name="Rectangle 3"/>
+          <p:cNvSpPr>
+            <a:spLocks noChangeArrowheads="1"/>
+          </p:cNvSpPr>
+          <p:nvPr/>
+        </p:nvSpPr>
+        <p:spPr bwMode="auto">
+          <a:xfrm>
+            <a:off x="1102408" y="4756105"/>
+            <a:ext cx="3623417" cy="276999"/>
+          </a:xfrm>
+          <a:prstGeom prst="rect">
+            <a:avLst/>
+          </a:prstGeom>
+          <a:solidFill>
+            <a:srgbClr val="2B2B2B"/>
+          </a:solidFill>
+          <a:ln>
+            <a:noFill/>
+          </a:ln>
+          <a:effectLst/>
+          <a:extLst>
+            <a:ext uri="{91240B29-F687-4F45-9708-019B960494DF}">
+              <a14:hiddenLine xmlns:a14="http://schemas.microsoft.com/office/drawing/2010/main" w="9525">
+                <a:solidFill>
+                  <a:schemeClr val="tx1"/>
+                </a:solidFill>
+                <a:miter lim="800000"/>
+                <a:headEnd/>
+                <a:tailEnd/>
+              </a14:hiddenLine>
+            </a:ext>
+            <a:ext uri="{AF507438-7753-43E0-B8FC-AC1667EBCBE1}">
+              <a14:hiddenEffects xmlns:a14="http://schemas.microsoft.com/office/drawing/2010/main">
+                <a:effectLst>
+                  <a:outerShdw dist="35921" dir="2700000" algn="ctr" rotWithShape="0">
+                    <a:schemeClr val="bg2"/>
+                  </a:outerShdw>
+                </a:effectLst>
+              </a14:hiddenEffects>
+            </a:ext>
+          </a:extLst>
+        </p:spPr>
+        <p:txBody>
+          <a:bodyPr vert="horz" wrap="square" lIns="91440" tIns="45720" rIns="91440" bIns="45720" numCol="1" anchor="ctr" anchorCtr="0" compatLnSpc="1">
+            <a:prstTxWarp prst="textNoShape">
+              <a:avLst/>
+            </a:prstTxWarp>
+            <a:spAutoFit/>
+          </a:bodyPr>
+          <a:lstStyle/>
+          <a:p>
+            <a:pPr marL="0" marR="0" lvl="0" indent="0" algn="l" defTabSz="914400" rtl="0" eaLnBrk="1" fontAlgn="base" latinLnBrk="0" hangingPunct="1">
+              <a:lnSpc>
+                <a:spcPct val="100000"/>
+              </a:lnSpc>
+              <a:spcBef>
+                <a:spcPct val="0"/>
+              </a:spcBef>
+              <a:spcAft>
+                <a:spcPct val="0"/>
+              </a:spcAft>
+              <a:buClrTx/>
+              <a:buSzTx/>
+              <a:buFontTx/>
+              <a:buNone/>
+              <a:tabLst/>
+            </a:pPr>
+            <a:r>
+              <a:rPr kumimoji="0" lang="fr-FR" altLang="fr-FR" sz="1200" b="0" i="0" u="none" strike="noStrike" cap="none" normalizeH="0" baseline="0" smtClean="0">
+                <a:ln>
+                  <a:noFill/>
+                </a:ln>
+                <a:solidFill>
+                  <a:srgbClr val="9876AA"/>
+                </a:solidFill>
+                <a:effectLst/>
+                <a:latin typeface="Courier New" pitchFamily="49" charset="0"/>
+                <a:cs typeface="Courier New" pitchFamily="49" charset="0"/>
+              </a:rPr>
+              <a:t>schemas</a:t>
+            </a:r>
+            <a:r>
+              <a:rPr kumimoji="0" lang="fr-FR" altLang="fr-FR" sz="1200" b="0" i="0" u="none" strike="noStrike" cap="none" normalizeH="0" baseline="0" smtClean="0">
+                <a:ln>
+                  <a:noFill/>
+                </a:ln>
+                <a:solidFill>
+                  <a:srgbClr val="A9B7C6"/>
+                </a:solidFill>
+                <a:effectLst/>
+                <a:latin typeface="Courier New" pitchFamily="49" charset="0"/>
+                <a:cs typeface="Courier New" pitchFamily="49" charset="0"/>
+              </a:rPr>
+              <a:t>: [ CUSTOM_ELEMENTS_SCHEMA ]</a:t>
+            </a:r>
+            <a:endParaRPr kumimoji="0" lang="fr-FR" altLang="fr-FR" sz="3200" b="0" i="0" u="none" strike="noStrike" cap="none" normalizeH="0" baseline="0" smtClean="0">
+              <a:ln>
+                <a:noFill/>
+              </a:ln>
+              <a:solidFill>
+                <a:schemeClr val="tx1"/>
+              </a:solidFill>
+              <a:effectLst/>
+              <a:latin typeface="Arial" pitchFamily="34" charset="0"/>
+              <a:cs typeface="Arial" pitchFamily="34" charset="0"/>
+            </a:endParaRPr>
+          </a:p>
+        </p:txBody>
+      </p:sp>
+      <p:sp>
+        <p:nvSpPr>
+          <p:cNvPr id="11" name="TextBox 10">
+            <a:extLst>
+              <a:ext uri="{FF2B5EF4-FFF2-40B4-BE49-F238E27FC236}">
+                <a16:creationId xmlns="" xmlns:a16="http://schemas.microsoft.com/office/drawing/2014/main" id="{9B79EC18-E264-4269-85B0-052E51A6F1AF}"/>
+              </a:ext>
+            </a:extLst>
+          </p:cNvPr>
+          <p:cNvSpPr txBox="1"/>
+          <p:nvPr/>
+        </p:nvSpPr>
+        <p:spPr>
+          <a:xfrm>
+            <a:off x="1102408" y="4386773"/>
+            <a:ext cx="5042018" cy="369332"/>
+          </a:xfrm>
+          <a:prstGeom prst="rect">
+            <a:avLst/>
+          </a:prstGeom>
+          <a:noFill/>
+        </p:spPr>
+        <p:txBody>
+          <a:bodyPr wrap="square" rtlCol="0">
+            <a:spAutoFit/>
+          </a:bodyPr>
+          <a:lstStyle/>
+          <a:p>
+            <a:r>
+              <a:rPr lang="en-US" dirty="0" smtClean="0"/>
+              <a:t>In </a:t>
+            </a:r>
+            <a:r>
+              <a:rPr lang="en-US" dirty="0" err="1" smtClean="0"/>
+              <a:t>app.module.ts</a:t>
+            </a:r>
+            <a:r>
+              <a:rPr lang="en-US" dirty="0" smtClean="0"/>
+              <a:t> @</a:t>
+            </a:r>
+            <a:r>
+              <a:rPr lang="en-US" dirty="0" err="1" smtClean="0"/>
+              <a:t>NgModule</a:t>
+            </a:r>
+            <a:r>
+              <a:rPr lang="en-US" dirty="0" smtClean="0"/>
+              <a:t> decorator, add:</a:t>
+            </a:r>
+            <a:endParaRPr lang="en-US" dirty="0"/>
+          </a:p>
+        </p:txBody>
+      </p:sp>
+    </p:spTree>
+    <p:extLst>
+      <p:ext uri="{BB962C8B-B14F-4D97-AF65-F5344CB8AC3E}">
+        <p14:creationId xmlns:p14="http://schemas.microsoft.com/office/powerpoint/2010/main" val="1283710045"/>
+      </p:ext>
+    </p:extLst>
+  </p:cSld>
+  <p:clrMapOvr>
+    <a:masterClrMapping/>
+  </p:clrMapOvr>
 </p:sld>
 </file>
 
@@ -35666,7 +36745,7 @@
           <p:cNvPr id="2" name="Title 1">
             <a:extLst>
               <a:ext uri="{FF2B5EF4-FFF2-40B4-BE49-F238E27FC236}">
-                <a16:creationId xmlns:a16="http://schemas.microsoft.com/office/drawing/2014/main" xmlns="" id="{41BEF3FC-5277-49B6-9C06-CF8AD9183903}"/>
+                <a16:creationId xmlns="" xmlns:a16="http://schemas.microsoft.com/office/drawing/2014/main" id="{41BEF3FC-5277-49B6-9C06-CF8AD9183903}"/>
               </a:ext>
             </a:extLst>
           </p:cNvPr>
@@ -35699,7 +36778,7 @@
           <p:cNvPr id="3" name="Content Placeholder 2">
             <a:extLst>
               <a:ext uri="{FF2B5EF4-FFF2-40B4-BE49-F238E27FC236}">
-                <a16:creationId xmlns:a16="http://schemas.microsoft.com/office/drawing/2014/main" xmlns="" id="{A9F47492-D5FD-477B-98E2-83992ED69409}"/>
+                <a16:creationId xmlns="" xmlns:a16="http://schemas.microsoft.com/office/drawing/2014/main" id="{A9F47492-D5FD-477B-98E2-83992ED69409}"/>
               </a:ext>
             </a:extLst>
           </p:cNvPr>
@@ -35878,7 +36957,7 @@
     </p:spTree>
     <p:extLst>
       <p:ext uri="{BB962C8B-B14F-4D97-AF65-F5344CB8AC3E}">
-        <p14:creationId xmlns:p14="http://schemas.microsoft.com/office/powerpoint/2010/main" val="946595388"/>
+        <p14:creationId xmlns:p14="http://schemas.microsoft.com/office/powerpoint/2010/main" val="1458474795"/>
       </p:ext>
     </p:extLst>
   </p:cSld>
@@ -35917,7 +36996,7 @@
           <p:cNvPr id="2" name="Title 1">
             <a:extLst>
               <a:ext uri="{FF2B5EF4-FFF2-40B4-BE49-F238E27FC236}">
-                <a16:creationId xmlns:a16="http://schemas.microsoft.com/office/drawing/2014/main" xmlns="" id="{12D51340-E06B-4838-89D3-1C4D25A8B920}"/>
+                <a16:creationId xmlns="" xmlns:a16="http://schemas.microsoft.com/office/drawing/2014/main" id="{12D51340-E06B-4838-89D3-1C4D25A8B920}"/>
               </a:ext>
             </a:extLst>
           </p:cNvPr>
@@ -35945,7 +37024,7 @@
           <p:cNvPr id="3" name="Content Placeholder 2">
             <a:extLst>
               <a:ext uri="{FF2B5EF4-FFF2-40B4-BE49-F238E27FC236}">
-                <a16:creationId xmlns:a16="http://schemas.microsoft.com/office/drawing/2014/main" xmlns="" id="{B7E75540-2F09-4698-A126-A21B65BD070F}"/>
+                <a16:creationId xmlns="" xmlns:a16="http://schemas.microsoft.com/office/drawing/2014/main" id="{B7E75540-2F09-4698-A126-A21B65BD070F}"/>
               </a:ext>
             </a:extLst>
           </p:cNvPr>
@@ -36059,7 +37138,7 @@
     </p:spTree>
     <p:extLst>
       <p:ext uri="{BB962C8B-B14F-4D97-AF65-F5344CB8AC3E}">
-        <p14:creationId xmlns:p14="http://schemas.microsoft.com/office/powerpoint/2010/main" val="1548270883"/>
+        <p14:creationId xmlns:p14="http://schemas.microsoft.com/office/powerpoint/2010/main" val="976262228"/>
       </p:ext>
     </p:extLst>
   </p:cSld>
@@ -36098,7 +37177,7 @@
           <p:cNvPr id="2" name="Title 1">
             <a:extLst>
               <a:ext uri="{FF2B5EF4-FFF2-40B4-BE49-F238E27FC236}">
-                <a16:creationId xmlns:a16="http://schemas.microsoft.com/office/drawing/2014/main" xmlns="" id="{45C86BDC-FF0E-4455-905A-FC89772F1807}"/>
+                <a16:creationId xmlns="" xmlns:a16="http://schemas.microsoft.com/office/drawing/2014/main" id="{45C86BDC-FF0E-4455-905A-FC89772F1807}"/>
               </a:ext>
             </a:extLst>
           </p:cNvPr>
@@ -36126,7 +37205,7 @@
           <p:cNvPr id="4" name="Rectangle 1">
             <a:extLst>
               <a:ext uri="{FF2B5EF4-FFF2-40B4-BE49-F238E27FC236}">
-                <a16:creationId xmlns:a16="http://schemas.microsoft.com/office/drawing/2014/main" xmlns="" id="{12A87D91-0549-4286-9DB9-AC6A950547F3}"/>
+                <a16:creationId xmlns="" xmlns:a16="http://schemas.microsoft.com/office/drawing/2014/main" id="{12A87D91-0549-4286-9DB9-AC6A950547F3}"/>
               </a:ext>
             </a:extLst>
           </p:cNvPr>
@@ -37481,7 +38560,7 @@
           <p:cNvPr id="5" name="TextBox 4">
             <a:extLst>
               <a:ext uri="{FF2B5EF4-FFF2-40B4-BE49-F238E27FC236}">
-                <a16:creationId xmlns:a16="http://schemas.microsoft.com/office/drawing/2014/main" xmlns="" id="{F32A4219-234E-4142-91F9-2F53D3C07F66}"/>
+                <a16:creationId xmlns="" xmlns:a16="http://schemas.microsoft.com/office/drawing/2014/main" id="{F32A4219-234E-4142-91F9-2F53D3C07F66}"/>
               </a:ext>
             </a:extLst>
           </p:cNvPr>
@@ -37525,7 +38604,7 @@
           <p:cNvPr id="6" name="Rectangle 5">
             <a:extLst>
               <a:ext uri="{FF2B5EF4-FFF2-40B4-BE49-F238E27FC236}">
-                <a16:creationId xmlns:a16="http://schemas.microsoft.com/office/drawing/2014/main" xmlns="" id="{80EF7A6D-6E40-4BD3-A879-A05D8AB25245}"/>
+                <a16:creationId xmlns="" xmlns:a16="http://schemas.microsoft.com/office/drawing/2014/main" id="{80EF7A6D-6E40-4BD3-A879-A05D8AB25245}"/>
               </a:ext>
             </a:extLst>
           </p:cNvPr>
@@ -38277,7 +39356,7 @@
           <p:cNvPr id="7" name="TextBox 6">
             <a:extLst>
               <a:ext uri="{FF2B5EF4-FFF2-40B4-BE49-F238E27FC236}">
-                <a16:creationId xmlns:a16="http://schemas.microsoft.com/office/drawing/2014/main" xmlns="" id="{476A416D-898F-4E45-ACAA-96C462D9985E}"/>
+                <a16:creationId xmlns="" xmlns:a16="http://schemas.microsoft.com/office/drawing/2014/main" id="{476A416D-898F-4E45-ACAA-96C462D9985E}"/>
               </a:ext>
             </a:extLst>
           </p:cNvPr>
@@ -38321,7 +39400,7 @@
           <p:cNvPr id="8" name="Rectangle 7">
             <a:extLst>
               <a:ext uri="{FF2B5EF4-FFF2-40B4-BE49-F238E27FC236}">
-                <a16:creationId xmlns:a16="http://schemas.microsoft.com/office/drawing/2014/main" xmlns="" id="{901A1470-6FD1-4328-90B0-35EED5C728DA}"/>
+                <a16:creationId xmlns="" xmlns:a16="http://schemas.microsoft.com/office/drawing/2014/main" id="{901A1470-6FD1-4328-90B0-35EED5C728DA}"/>
               </a:ext>
             </a:extLst>
           </p:cNvPr>
@@ -38364,7 +39443,7 @@
           <p:cNvPr id="10" name="Rectangle 2">
             <a:extLst>
               <a:ext uri="{FF2B5EF4-FFF2-40B4-BE49-F238E27FC236}">
-                <a16:creationId xmlns:a16="http://schemas.microsoft.com/office/drawing/2014/main" xmlns="" id="{AED27DC0-BE69-4EA3-A52C-919C9FE89719}"/>
+                <a16:creationId xmlns="" xmlns:a16="http://schemas.microsoft.com/office/drawing/2014/main" id="{AED27DC0-BE69-4EA3-A52C-919C9FE89719}"/>
               </a:ext>
             </a:extLst>
           </p:cNvPr>
@@ -39433,7 +40512,7 @@
     </p:spTree>
     <p:extLst>
       <p:ext uri="{BB962C8B-B14F-4D97-AF65-F5344CB8AC3E}">
-        <p14:creationId xmlns:p14="http://schemas.microsoft.com/office/powerpoint/2010/main" val="3639057821"/>
+        <p14:creationId xmlns:p14="http://schemas.microsoft.com/office/powerpoint/2010/main" val="1170744193"/>
       </p:ext>
     </p:extLst>
   </p:cSld>
@@ -39472,7 +40551,7 @@
           <p:cNvPr id="2" name="Title 1">
             <a:extLst>
               <a:ext uri="{FF2B5EF4-FFF2-40B4-BE49-F238E27FC236}">
-                <a16:creationId xmlns:a16="http://schemas.microsoft.com/office/drawing/2014/main" xmlns="" id="{45C86BDC-FF0E-4455-905A-FC89772F1807}"/>
+                <a16:creationId xmlns="" xmlns:a16="http://schemas.microsoft.com/office/drawing/2014/main" id="{45C86BDC-FF0E-4455-905A-FC89772F1807}"/>
               </a:ext>
             </a:extLst>
           </p:cNvPr>
@@ -39500,7 +40579,7 @@
           <p:cNvPr id="5" name="TextBox 4">
             <a:extLst>
               <a:ext uri="{FF2B5EF4-FFF2-40B4-BE49-F238E27FC236}">
-                <a16:creationId xmlns:a16="http://schemas.microsoft.com/office/drawing/2014/main" xmlns="" id="{F32A4219-234E-4142-91F9-2F53D3C07F66}"/>
+                <a16:creationId xmlns="" xmlns:a16="http://schemas.microsoft.com/office/drawing/2014/main" id="{F32A4219-234E-4142-91F9-2F53D3C07F66}"/>
               </a:ext>
             </a:extLst>
           </p:cNvPr>
@@ -39540,7 +40619,7 @@
           <p:cNvPr id="10" name="Rectangle 6">
             <a:extLst>
               <a:ext uri="{FF2B5EF4-FFF2-40B4-BE49-F238E27FC236}">
-                <a16:creationId xmlns:a16="http://schemas.microsoft.com/office/drawing/2014/main" xmlns="" id="{8857BCB7-D5AB-4075-B5C9-BC25E2CB4029}"/>
+                <a16:creationId xmlns="" xmlns:a16="http://schemas.microsoft.com/office/drawing/2014/main" id="{8857BCB7-D5AB-4075-B5C9-BC25E2CB4029}"/>
               </a:ext>
             </a:extLst>
           </p:cNvPr>
@@ -41412,7 +42491,7 @@
           <p:cNvPr id="15" name="Rectangle 9">
             <a:extLst>
               <a:ext uri="{FF2B5EF4-FFF2-40B4-BE49-F238E27FC236}">
-                <a16:creationId xmlns:a16="http://schemas.microsoft.com/office/drawing/2014/main" xmlns="" id="{63DD944E-CEDF-4264-8E12-D3708C66C932}"/>
+                <a16:creationId xmlns="" xmlns:a16="http://schemas.microsoft.com/office/drawing/2014/main" id="{63DD944E-CEDF-4264-8E12-D3708C66C932}"/>
               </a:ext>
             </a:extLst>
           </p:cNvPr>
@@ -43369,7 +44448,7 @@
           <p:cNvPr id="16" name="TextBox 15">
             <a:extLst>
               <a:ext uri="{FF2B5EF4-FFF2-40B4-BE49-F238E27FC236}">
-                <a16:creationId xmlns:a16="http://schemas.microsoft.com/office/drawing/2014/main" xmlns="" id="{D7EEDB84-0921-4A99-BC53-2AE1CB8468FB}"/>
+                <a16:creationId xmlns="" xmlns:a16="http://schemas.microsoft.com/office/drawing/2014/main" id="{D7EEDB84-0921-4A99-BC53-2AE1CB8468FB}"/>
               </a:ext>
             </a:extLst>
           </p:cNvPr>
@@ -43404,7 +44483,7 @@
           <p:cNvPr id="19" name="Group 18">
             <a:extLst>
               <a:ext uri="{FF2B5EF4-FFF2-40B4-BE49-F238E27FC236}">
-                <a16:creationId xmlns:a16="http://schemas.microsoft.com/office/drawing/2014/main" xmlns="" id="{31424240-85A5-4E65-A9A8-7D1A624F0B17}"/>
+                <a16:creationId xmlns="" xmlns:a16="http://schemas.microsoft.com/office/drawing/2014/main" id="{31424240-85A5-4E65-A9A8-7D1A624F0B17}"/>
               </a:ext>
             </a:extLst>
           </p:cNvPr>
@@ -43424,7 +44503,7 @@
             <p:cNvPr id="17" name="Rectangle 10">
               <a:extLst>
                 <a:ext uri="{FF2B5EF4-FFF2-40B4-BE49-F238E27FC236}">
-                  <a16:creationId xmlns:a16="http://schemas.microsoft.com/office/drawing/2014/main" xmlns="" id="{8AE58E71-EFFE-4A86-861A-C35C9AF3931F}"/>
+                  <a16:creationId xmlns="" xmlns:a16="http://schemas.microsoft.com/office/drawing/2014/main" id="{8AE58E71-EFFE-4A86-861A-C35C9AF3931F}"/>
                 </a:ext>
               </a:extLst>
             </p:cNvPr>
@@ -43734,7 +44813,7 @@
             <p:cNvPr id="18" name="TextBox 17">
               <a:extLst>
                 <a:ext uri="{FF2B5EF4-FFF2-40B4-BE49-F238E27FC236}">
-                  <a16:creationId xmlns:a16="http://schemas.microsoft.com/office/drawing/2014/main" xmlns="" id="{978CFD39-15DE-4EC2-BD74-B36C89FB2D81}"/>
+                  <a16:creationId xmlns="" xmlns:a16="http://schemas.microsoft.com/office/drawing/2014/main" id="{978CFD39-15DE-4EC2-BD74-B36C89FB2D81}"/>
                 </a:ext>
               </a:extLst>
             </p:cNvPr>
@@ -43775,7 +44854,7 @@
           <p:cNvPr id="20" name="Arrow: Right 19">
             <a:extLst>
               <a:ext uri="{FF2B5EF4-FFF2-40B4-BE49-F238E27FC236}">
-                <a16:creationId xmlns:a16="http://schemas.microsoft.com/office/drawing/2014/main" xmlns="" id="{354D8D0D-6488-45AB-B07F-573DAAD66439}"/>
+                <a16:creationId xmlns="" xmlns:a16="http://schemas.microsoft.com/office/drawing/2014/main" id="{354D8D0D-6488-45AB-B07F-573DAAD66439}"/>
               </a:ext>
             </a:extLst>
           </p:cNvPr>
@@ -43821,7 +44900,7 @@
           <p:cNvPr id="21" name="TextBox 20">
             <a:extLst>
               <a:ext uri="{FF2B5EF4-FFF2-40B4-BE49-F238E27FC236}">
-                <a16:creationId xmlns:a16="http://schemas.microsoft.com/office/drawing/2014/main" xmlns="" id="{26632EC1-FC05-4AD8-9951-A89D77DCB7A3}"/>
+                <a16:creationId xmlns="" xmlns:a16="http://schemas.microsoft.com/office/drawing/2014/main" id="{26632EC1-FC05-4AD8-9951-A89D77DCB7A3}"/>
               </a:ext>
             </a:extLst>
           </p:cNvPr>
@@ -43876,7 +44955,7 @@
           <p:cNvPr id="22" name="TextBox 21">
             <a:extLst>
               <a:ext uri="{FF2B5EF4-FFF2-40B4-BE49-F238E27FC236}">
-                <a16:creationId xmlns:a16="http://schemas.microsoft.com/office/drawing/2014/main" xmlns="" id="{9B0B67AA-71CE-4409-A3A2-A82F4EA12D89}"/>
+                <a16:creationId xmlns="" xmlns:a16="http://schemas.microsoft.com/office/drawing/2014/main" id="{9B0B67AA-71CE-4409-A3A2-A82F4EA12D89}"/>
               </a:ext>
             </a:extLst>
           </p:cNvPr>
@@ -43913,7 +44992,7 @@
     </p:spTree>
     <p:extLst>
       <p:ext uri="{BB962C8B-B14F-4D97-AF65-F5344CB8AC3E}">
-        <p14:creationId xmlns:p14="http://schemas.microsoft.com/office/powerpoint/2010/main" val="1564169697"/>
+        <p14:creationId xmlns:p14="http://schemas.microsoft.com/office/powerpoint/2010/main" val="759462852"/>
       </p:ext>
     </p:extLst>
   </p:cSld>
@@ -44217,7 +45296,7 @@
           <p:cNvPr id="2" name="Title 1">
             <a:extLst>
               <a:ext uri="{FF2B5EF4-FFF2-40B4-BE49-F238E27FC236}">
-                <a16:creationId xmlns:a16="http://schemas.microsoft.com/office/drawing/2014/main" xmlns="" id="{7207F7FC-E4C7-4FE7-88E0-7117B383F66C}"/>
+                <a16:creationId xmlns="" xmlns:a16="http://schemas.microsoft.com/office/drawing/2014/main" id="{7207F7FC-E4C7-4FE7-88E0-7117B383F66C}"/>
               </a:ext>
             </a:extLst>
           </p:cNvPr>
@@ -44248,7 +45327,7 @@
     </p:spTree>
     <p:extLst>
       <p:ext uri="{BB962C8B-B14F-4D97-AF65-F5344CB8AC3E}">
-        <p14:creationId xmlns:p14="http://schemas.microsoft.com/office/powerpoint/2010/main" val="3884940983"/>
+        <p14:creationId xmlns:p14="http://schemas.microsoft.com/office/powerpoint/2010/main" val="961969403"/>
       </p:ext>
     </p:extLst>
   </p:cSld>
@@ -44280,7 +45359,7 @@
           <p:cNvPr id="2" name="Title 1">
             <a:extLst>
               <a:ext uri="{FF2B5EF4-FFF2-40B4-BE49-F238E27FC236}">
-                <a16:creationId xmlns:a16="http://schemas.microsoft.com/office/drawing/2014/main" xmlns="" id="{37059B59-52EE-410B-A40F-CBBE90472E20}"/>
+                <a16:creationId xmlns="" xmlns:a16="http://schemas.microsoft.com/office/drawing/2014/main" id="{37059B59-52EE-410B-A40F-CBBE90472E20}"/>
               </a:ext>
             </a:extLst>
           </p:cNvPr>
@@ -44308,7 +45387,7 @@
           <p:cNvPr id="3" name="Content Placeholder 2">
             <a:extLst>
               <a:ext uri="{FF2B5EF4-FFF2-40B4-BE49-F238E27FC236}">
-                <a16:creationId xmlns:a16="http://schemas.microsoft.com/office/drawing/2014/main" xmlns="" id="{B23D8CED-AA6D-432B-8021-147D442F1B58}"/>
+                <a16:creationId xmlns="" xmlns:a16="http://schemas.microsoft.com/office/drawing/2014/main" id="{B23D8CED-AA6D-432B-8021-147D442F1B58}"/>
               </a:ext>
             </a:extLst>
           </p:cNvPr>
@@ -44370,7 +45449,7 @@
           <p:cNvPr id="4" name="Content Placeholder 2">
             <a:extLst>
               <a:ext uri="{FF2B5EF4-FFF2-40B4-BE49-F238E27FC236}">
-                <a16:creationId xmlns:a16="http://schemas.microsoft.com/office/drawing/2014/main" xmlns="" id="{40D585B2-A40E-4FD4-B379-B172A157D9D7}"/>
+                <a16:creationId xmlns="" xmlns:a16="http://schemas.microsoft.com/office/drawing/2014/main" id="{40D585B2-A40E-4FD4-B379-B172A157D9D7}"/>
               </a:ext>
             </a:extLst>
           </p:cNvPr>
@@ -44583,7 +45662,7 @@
     </p:spTree>
     <p:extLst>
       <p:ext uri="{BB962C8B-B14F-4D97-AF65-F5344CB8AC3E}">
-        <p14:creationId xmlns:p14="http://schemas.microsoft.com/office/powerpoint/2010/main" val="539834882"/>
+        <p14:creationId xmlns:p14="http://schemas.microsoft.com/office/powerpoint/2010/main" val="945281141"/>
       </p:ext>
     </p:extLst>
   </p:cSld>
@@ -44838,7 +45917,7 @@
   <a:extraClrSchemeLst/>
   <a:extLst>
     <a:ext uri="{05A4C25C-085E-4340-85A3-A5531E510DB2}">
-      <thm15:themeFamily xmlns:thm15="http://schemas.microsoft.com/office/thememl/2012/main" xmlns="" name="Circuit" id="{0AC2F7E7-15F5-431C-B2A2-456FE929F56C}" vid="{0911B802-464C-4241-8DD9-B60FF88E379F}"/>
+      <thm15:themeFamily xmlns="" xmlns:thm15="http://schemas.microsoft.com/office/thememl/2012/main" name="Circuit" id="{0AC2F7E7-15F5-431C-B2A2-456FE929F56C}" vid="{0911B802-464C-4241-8DD9-B60FF88E379F}"/>
     </a:ext>
   </a:extLst>
 </a:theme>
